--- a/Projeto1_93249.pptx
+++ b/Projeto1_93249.pptx
@@ -2532,6 +2532,790 @@
     <dgm:fillClrLst meth="repeat">
       <a:schemeClr val="accent5">
         <a:tint val="40000"/>
+      </a:schemeClr>
+    </dgm:fillClrLst>
+    <dgm:linClrLst meth="repeat">
+      <a:schemeClr val="dk1"/>
+    </dgm:linClrLst>
+    <dgm:effectClrLst/>
+    <dgm:txLinClrLst/>
+    <dgm:txFillClrLst meth="repeat">
+      <a:schemeClr val="dk1"/>
+    </dgm:txFillClrLst>
+    <dgm:txEffectClrLst/>
+  </dgm:styleLbl>
+  <dgm:styleLbl name="dkBgShp">
+    <dgm:fillClrLst meth="repeat">
+      <a:schemeClr val="accent5">
+        <a:shade val="90000"/>
+      </a:schemeClr>
+    </dgm:fillClrLst>
+    <dgm:linClrLst meth="repeat">
+      <a:schemeClr val="dk1"/>
+    </dgm:linClrLst>
+    <dgm:effectClrLst/>
+    <dgm:txLinClrLst/>
+    <dgm:txFillClrLst meth="repeat">
+      <a:schemeClr val="lt1"/>
+    </dgm:txFillClrLst>
+    <dgm:txEffectClrLst/>
+  </dgm:styleLbl>
+  <dgm:styleLbl name="trBgShp">
+    <dgm:fillClrLst meth="repeat">
+      <a:schemeClr val="accent5">
+        <a:tint val="50000"/>
+        <a:alpha val="40000"/>
+      </a:schemeClr>
+    </dgm:fillClrLst>
+    <dgm:linClrLst meth="repeat">
+      <a:schemeClr val="accent5"/>
+    </dgm:linClrLst>
+    <dgm:effectClrLst/>
+    <dgm:txLinClrLst/>
+    <dgm:txFillClrLst meth="repeat">
+      <a:schemeClr val="lt1"/>
+    </dgm:txFillClrLst>
+    <dgm:txEffectClrLst/>
+  </dgm:styleLbl>
+  <dgm:styleLbl name="fgShp">
+    <dgm:fillClrLst meth="repeat">
+      <a:schemeClr val="accent5">
+        <a:tint val="40000"/>
+      </a:schemeClr>
+    </dgm:fillClrLst>
+    <dgm:linClrLst meth="repeat">
+      <a:schemeClr val="lt1"/>
+    </dgm:linClrLst>
+    <dgm:effectClrLst/>
+    <dgm:txLinClrLst/>
+    <dgm:txFillClrLst meth="repeat">
+      <a:schemeClr val="dk1"/>
+    </dgm:txFillClrLst>
+    <dgm:txEffectClrLst/>
+  </dgm:styleLbl>
+  <dgm:styleLbl name="revTx">
+    <dgm:fillClrLst meth="repeat">
+      <a:schemeClr val="lt1">
+        <a:alpha val="0"/>
+      </a:schemeClr>
+    </dgm:fillClrLst>
+    <dgm:linClrLst meth="repeat">
+      <a:schemeClr val="dk1">
+        <a:alpha val="0"/>
+      </a:schemeClr>
+    </dgm:linClrLst>
+    <dgm:effectClrLst/>
+    <dgm:txLinClrLst/>
+    <dgm:txFillClrLst meth="repeat">
+      <a:schemeClr val="tx1"/>
+    </dgm:txFillClrLst>
+    <dgm:txEffectClrLst/>
+  </dgm:styleLbl>
+</dgm:colorsDef>
+</file>
+
+<file path=ppt/diagrams/colors4.xml><?xml version="1.0" encoding="utf-8"?>
+<dgm:colorsDef xmlns:dgm="http://schemas.openxmlformats.org/drawingml/2006/diagram" xmlns:a="http://schemas.openxmlformats.org/drawingml/2006/main" uniqueId="urn:microsoft.com/office/officeart/2018/5/colors/Iconchunking_neutralbg_colorful5">
+  <dgm:title val=""/>
+  <dgm:desc val=""/>
+  <dgm:catLst>
+    <dgm:cat type="colorful" pri="10500"/>
+  </dgm:catLst>
+  <dgm:styleLbl name="node0">
+    <dgm:fillClrLst meth="repeat">
+      <a:schemeClr val="accent4"/>
+    </dgm:fillClrLst>
+    <dgm:linClrLst meth="repeat">
+      <a:schemeClr val="lt1"/>
+    </dgm:linClrLst>
+    <dgm:effectClrLst/>
+    <dgm:txLinClrLst/>
+    <dgm:txFillClrLst/>
+    <dgm:txEffectClrLst/>
+  </dgm:styleLbl>
+  <dgm:styleLbl name="node1">
+    <dgm:fillClrLst>
+      <a:schemeClr val="accent5"/>
+      <a:schemeClr val="accent6"/>
+    </dgm:fillClrLst>
+    <dgm:linClrLst meth="repeat">
+      <a:schemeClr val="lt1">
+        <a:alpha val="0"/>
+      </a:schemeClr>
+    </dgm:linClrLst>
+    <dgm:effectClrLst/>
+    <dgm:txLinClrLst/>
+    <dgm:txFillClrLst/>
+    <dgm:txEffectClrLst/>
+  </dgm:styleLbl>
+  <dgm:styleLbl name="alignNode1">
+    <dgm:fillClrLst>
+      <a:schemeClr val="accent5"/>
+      <a:schemeClr val="accent6"/>
+    </dgm:fillClrLst>
+    <dgm:linClrLst>
+      <a:schemeClr val="accent5"/>
+      <a:schemeClr val="accent6"/>
+    </dgm:linClrLst>
+    <dgm:effectClrLst/>
+    <dgm:txLinClrLst/>
+    <dgm:txFillClrLst/>
+    <dgm:txEffectClrLst/>
+  </dgm:styleLbl>
+  <dgm:styleLbl name="lnNode1">
+    <dgm:fillClrLst>
+      <a:schemeClr val="accent5"/>
+      <a:schemeClr val="accent6"/>
+    </dgm:fillClrLst>
+    <dgm:linClrLst meth="repeat">
+      <a:schemeClr val="lt1"/>
+    </dgm:linClrLst>
+    <dgm:effectClrLst/>
+    <dgm:txLinClrLst/>
+    <dgm:txFillClrLst/>
+    <dgm:txEffectClrLst/>
+  </dgm:styleLbl>
+  <dgm:styleLbl name="vennNode1">
+    <dgm:fillClrLst>
+      <a:schemeClr val="accent5">
+        <a:alpha val="50000"/>
+      </a:schemeClr>
+      <a:schemeClr val="accent6">
+        <a:alpha val="50000"/>
+      </a:schemeClr>
+    </dgm:fillClrLst>
+    <dgm:linClrLst meth="repeat">
+      <a:schemeClr val="lt1"/>
+    </dgm:linClrLst>
+    <dgm:effectClrLst/>
+    <dgm:txLinClrLst/>
+    <dgm:txFillClrLst/>
+    <dgm:txEffectClrLst/>
+  </dgm:styleLbl>
+  <dgm:styleLbl name="node2">
+    <dgm:fillClrLst>
+      <a:schemeClr val="accent6"/>
+    </dgm:fillClrLst>
+    <dgm:linClrLst meth="repeat">
+      <a:schemeClr val="lt1"/>
+    </dgm:linClrLst>
+    <dgm:effectClrLst/>
+    <dgm:txLinClrLst/>
+    <dgm:txFillClrLst/>
+    <dgm:txEffectClrLst/>
+  </dgm:styleLbl>
+  <dgm:styleLbl name="node3">
+    <dgm:fillClrLst>
+      <a:schemeClr val="accent1"/>
+    </dgm:fillClrLst>
+    <dgm:linClrLst meth="repeat">
+      <a:schemeClr val="lt1"/>
+    </dgm:linClrLst>
+    <dgm:effectClrLst/>
+    <dgm:txLinClrLst/>
+    <dgm:txFillClrLst/>
+    <dgm:txEffectClrLst/>
+  </dgm:styleLbl>
+  <dgm:styleLbl name="node4">
+    <dgm:fillClrLst>
+      <a:schemeClr val="accent2"/>
+    </dgm:fillClrLst>
+    <dgm:linClrLst meth="repeat">
+      <a:schemeClr val="lt1"/>
+    </dgm:linClrLst>
+    <dgm:effectClrLst/>
+    <dgm:txLinClrLst/>
+    <dgm:txFillClrLst/>
+    <dgm:txEffectClrLst/>
+  </dgm:styleLbl>
+  <dgm:styleLbl name="fgImgPlace1">
+    <dgm:fillClrLst>
+      <a:schemeClr val="accent5">
+        <a:tint val="50000"/>
+      </a:schemeClr>
+      <a:schemeClr val="accent6">
+        <a:tint val="50000"/>
+      </a:schemeClr>
+    </dgm:fillClrLst>
+    <dgm:linClrLst meth="repeat">
+      <a:schemeClr val="lt1"/>
+    </dgm:linClrLst>
+    <dgm:effectClrLst/>
+    <dgm:txLinClrLst/>
+    <dgm:txFillClrLst meth="repeat">
+      <a:schemeClr val="lt1"/>
+    </dgm:txFillClrLst>
+    <dgm:txEffectClrLst/>
+  </dgm:styleLbl>
+  <dgm:styleLbl name="alignImgPlace1">
+    <dgm:fillClrLst>
+      <a:schemeClr val="accent5">
+        <a:tint val="50000"/>
+      </a:schemeClr>
+      <a:schemeClr val="accent6">
+        <a:tint val="20000"/>
+      </a:schemeClr>
+    </dgm:fillClrLst>
+    <dgm:linClrLst meth="repeat">
+      <a:schemeClr val="lt1"/>
+    </dgm:linClrLst>
+    <dgm:effectClrLst/>
+    <dgm:txLinClrLst/>
+    <dgm:txFillClrLst meth="repeat">
+      <a:schemeClr val="lt1"/>
+    </dgm:txFillClrLst>
+    <dgm:txEffectClrLst/>
+  </dgm:styleLbl>
+  <dgm:styleLbl name="bgImgPlace1">
+    <dgm:fillClrLst>
+      <a:schemeClr val="accent5">
+        <a:tint val="50000"/>
+      </a:schemeClr>
+      <a:schemeClr val="accent6">
+        <a:tint val="20000"/>
+      </a:schemeClr>
+    </dgm:fillClrLst>
+    <dgm:linClrLst meth="repeat">
+      <a:schemeClr val="lt1"/>
+    </dgm:linClrLst>
+    <dgm:effectClrLst/>
+    <dgm:txLinClrLst/>
+    <dgm:txFillClrLst meth="repeat">
+      <a:schemeClr val="lt1"/>
+    </dgm:txFillClrLst>
+    <dgm:txEffectClrLst/>
+  </dgm:styleLbl>
+  <dgm:styleLbl name="sibTrans2D1">
+    <dgm:fillClrLst>
+      <a:schemeClr val="accent5"/>
+      <a:schemeClr val="accent6"/>
+    </dgm:fillClrLst>
+    <dgm:linClrLst meth="repeat">
+      <a:schemeClr val="lt1"/>
+    </dgm:linClrLst>
+    <dgm:effectClrLst/>
+    <dgm:txLinClrLst/>
+    <dgm:txFillClrLst/>
+    <dgm:txEffectClrLst/>
+  </dgm:styleLbl>
+  <dgm:styleLbl name="fgSibTrans2D1">
+    <dgm:fillClrLst>
+      <a:schemeClr val="accent5"/>
+      <a:schemeClr val="accent6"/>
+    </dgm:fillClrLst>
+    <dgm:linClrLst meth="repeat">
+      <a:schemeClr val="lt1"/>
+    </dgm:linClrLst>
+    <dgm:effectClrLst/>
+    <dgm:txLinClrLst/>
+    <dgm:txFillClrLst meth="repeat">
+      <a:schemeClr val="lt1"/>
+    </dgm:txFillClrLst>
+    <dgm:txEffectClrLst/>
+  </dgm:styleLbl>
+  <dgm:styleLbl name="bgSibTrans2D1">
+    <dgm:fillClrLst>
+      <a:schemeClr val="accent5"/>
+      <a:schemeClr val="accent6"/>
+    </dgm:fillClrLst>
+    <dgm:linClrLst meth="repeat">
+      <a:schemeClr val="lt1"/>
+    </dgm:linClrLst>
+    <dgm:effectClrLst/>
+    <dgm:txLinClrLst/>
+    <dgm:txFillClrLst meth="repeat">
+      <a:schemeClr val="lt1"/>
+    </dgm:txFillClrLst>
+    <dgm:txEffectClrLst/>
+  </dgm:styleLbl>
+  <dgm:styleLbl name="sibTrans1D1">
+    <dgm:fillClrLst/>
+    <dgm:linClrLst>
+      <a:schemeClr val="accent5"/>
+      <a:schemeClr val="accent6"/>
+    </dgm:linClrLst>
+    <dgm:effectClrLst/>
+    <dgm:txLinClrLst/>
+    <dgm:txFillClrLst meth="repeat">
+      <a:schemeClr val="tx1"/>
+    </dgm:txFillClrLst>
+    <dgm:txEffectClrLst/>
+  </dgm:styleLbl>
+  <dgm:styleLbl name="callout">
+    <dgm:fillClrLst meth="repeat">
+      <a:schemeClr val="accent5"/>
+    </dgm:fillClrLst>
+    <dgm:linClrLst meth="repeat">
+      <a:schemeClr val="accent5">
+        <a:tint val="50000"/>
+      </a:schemeClr>
+    </dgm:linClrLst>
+    <dgm:effectClrLst/>
+    <dgm:txLinClrLst/>
+    <dgm:txFillClrLst meth="repeat">
+      <a:schemeClr val="tx1"/>
+    </dgm:txFillClrLst>
+    <dgm:txEffectClrLst/>
+  </dgm:styleLbl>
+  <dgm:styleLbl name="asst0">
+    <dgm:fillClrLst meth="repeat">
+      <a:schemeClr val="accent5"/>
+    </dgm:fillClrLst>
+    <dgm:linClrLst meth="repeat">
+      <a:schemeClr val="lt1">
+        <a:shade val="80000"/>
+      </a:schemeClr>
+    </dgm:linClrLst>
+    <dgm:effectClrLst/>
+    <dgm:txLinClrLst/>
+    <dgm:txFillClrLst/>
+    <dgm:txEffectClrLst/>
+  </dgm:styleLbl>
+  <dgm:styleLbl name="asst1">
+    <dgm:fillClrLst meth="repeat">
+      <a:schemeClr val="accent6"/>
+    </dgm:fillClrLst>
+    <dgm:linClrLst meth="repeat">
+      <a:schemeClr val="lt1">
+        <a:shade val="80000"/>
+      </a:schemeClr>
+    </dgm:linClrLst>
+    <dgm:effectClrLst/>
+    <dgm:txLinClrLst/>
+    <dgm:txFillClrLst/>
+    <dgm:txEffectClrLst/>
+  </dgm:styleLbl>
+  <dgm:styleLbl name="asst2">
+    <dgm:fillClrLst>
+      <a:schemeClr val="accent1"/>
+    </dgm:fillClrLst>
+    <dgm:linClrLst meth="repeat">
+      <a:schemeClr val="lt1"/>
+    </dgm:linClrLst>
+    <dgm:effectClrLst/>
+    <dgm:txLinClrLst/>
+    <dgm:txFillClrLst/>
+    <dgm:txEffectClrLst/>
+  </dgm:styleLbl>
+  <dgm:styleLbl name="asst3">
+    <dgm:fillClrLst>
+      <a:schemeClr val="accent2"/>
+    </dgm:fillClrLst>
+    <dgm:linClrLst meth="repeat">
+      <a:schemeClr val="lt1"/>
+    </dgm:linClrLst>
+    <dgm:effectClrLst/>
+    <dgm:txLinClrLst/>
+    <dgm:txFillClrLst/>
+    <dgm:txEffectClrLst/>
+  </dgm:styleLbl>
+  <dgm:styleLbl name="asst4">
+    <dgm:fillClrLst>
+      <a:schemeClr val="accent3"/>
+    </dgm:fillClrLst>
+    <dgm:linClrLst meth="repeat">
+      <a:schemeClr val="lt1"/>
+    </dgm:linClrLst>
+    <dgm:effectClrLst/>
+    <dgm:txLinClrLst/>
+    <dgm:txFillClrLst/>
+    <dgm:txEffectClrLst/>
+  </dgm:styleLbl>
+  <dgm:styleLbl name="parChTrans2D1">
+    <dgm:fillClrLst meth="repeat">
+      <a:schemeClr val="accent5"/>
+    </dgm:fillClrLst>
+    <dgm:linClrLst meth="repeat">
+      <a:schemeClr val="lt1"/>
+    </dgm:linClrLst>
+    <dgm:effectClrLst/>
+    <dgm:txLinClrLst/>
+    <dgm:txFillClrLst meth="repeat">
+      <a:schemeClr val="lt1"/>
+    </dgm:txFillClrLst>
+    <dgm:txEffectClrLst/>
+  </dgm:styleLbl>
+  <dgm:styleLbl name="parChTrans2D2">
+    <dgm:fillClrLst meth="repeat">
+      <a:schemeClr val="accent6"/>
+    </dgm:fillClrLst>
+    <dgm:linClrLst meth="repeat">
+      <a:schemeClr val="lt1"/>
+    </dgm:linClrLst>
+    <dgm:effectClrLst/>
+    <dgm:txLinClrLst/>
+    <dgm:txFillClrLst/>
+    <dgm:txEffectClrLst/>
+  </dgm:styleLbl>
+  <dgm:styleLbl name="parChTrans2D3">
+    <dgm:fillClrLst meth="repeat">
+      <a:schemeClr val="accent6"/>
+    </dgm:fillClrLst>
+    <dgm:linClrLst meth="repeat">
+      <a:schemeClr val="lt1"/>
+    </dgm:linClrLst>
+    <dgm:effectClrLst/>
+    <dgm:txLinClrLst/>
+    <dgm:txFillClrLst/>
+    <dgm:txEffectClrLst/>
+  </dgm:styleLbl>
+  <dgm:styleLbl name="parChTrans2D4">
+    <dgm:fillClrLst meth="repeat">
+      <a:schemeClr val="accent1"/>
+    </dgm:fillClrLst>
+    <dgm:linClrLst meth="repeat">
+      <a:schemeClr val="lt1"/>
+    </dgm:linClrLst>
+    <dgm:effectClrLst/>
+    <dgm:txLinClrLst/>
+    <dgm:txFillClrLst meth="repeat">
+      <a:schemeClr val="lt1"/>
+    </dgm:txFillClrLst>
+    <dgm:txEffectClrLst/>
+  </dgm:styleLbl>
+  <dgm:styleLbl name="parChTrans1D1">
+    <dgm:fillClrLst meth="repeat">
+      <a:schemeClr val="accent5"/>
+    </dgm:fillClrLst>
+    <dgm:linClrLst meth="repeat">
+      <a:schemeClr val="accent5"/>
+    </dgm:linClrLst>
+    <dgm:effectClrLst/>
+    <dgm:txLinClrLst/>
+    <dgm:txFillClrLst meth="repeat">
+      <a:schemeClr val="tx1"/>
+    </dgm:txFillClrLst>
+    <dgm:txEffectClrLst/>
+  </dgm:styleLbl>
+  <dgm:styleLbl name="parChTrans1D2">
+    <dgm:fillClrLst meth="repeat">
+      <a:schemeClr val="accent6">
+        <a:tint val="90000"/>
+      </a:schemeClr>
+    </dgm:fillClrLst>
+    <dgm:linClrLst meth="repeat">
+      <a:schemeClr val="accent6"/>
+    </dgm:linClrLst>
+    <dgm:effectClrLst/>
+    <dgm:txLinClrLst/>
+    <dgm:txFillClrLst meth="repeat">
+      <a:schemeClr val="tx1"/>
+    </dgm:txFillClrLst>
+    <dgm:txEffectClrLst/>
+  </dgm:styleLbl>
+  <dgm:styleLbl name="parChTrans1D3">
+    <dgm:fillClrLst meth="repeat">
+      <a:schemeClr val="accent6">
+        <a:tint val="70000"/>
+      </a:schemeClr>
+    </dgm:fillClrLst>
+    <dgm:linClrLst meth="repeat">
+      <a:schemeClr val="accent1"/>
+    </dgm:linClrLst>
+    <dgm:effectClrLst/>
+    <dgm:txLinClrLst/>
+    <dgm:txFillClrLst meth="repeat">
+      <a:schemeClr val="tx1"/>
+    </dgm:txFillClrLst>
+    <dgm:txEffectClrLst/>
+  </dgm:styleLbl>
+  <dgm:styleLbl name="parChTrans1D4">
+    <dgm:fillClrLst meth="repeat">
+      <a:schemeClr val="accent6">
+        <a:tint val="50000"/>
+      </a:schemeClr>
+    </dgm:fillClrLst>
+    <dgm:linClrLst meth="repeat">
+      <a:schemeClr val="accent2"/>
+    </dgm:linClrLst>
+    <dgm:effectClrLst/>
+    <dgm:txLinClrLst/>
+    <dgm:txFillClrLst meth="repeat">
+      <a:schemeClr val="tx1"/>
+    </dgm:txFillClrLst>
+    <dgm:txEffectClrLst/>
+  </dgm:styleLbl>
+  <dgm:styleLbl name="fgAcc1">
+    <dgm:fillClrLst meth="repeat">
+      <a:schemeClr val="lt1">
+        <a:alpha val="90000"/>
+      </a:schemeClr>
+    </dgm:fillClrLst>
+    <dgm:linClrLst>
+      <a:schemeClr val="accent5"/>
+      <a:schemeClr val="accent6"/>
+    </dgm:linClrLst>
+    <dgm:effectClrLst/>
+    <dgm:txLinClrLst/>
+    <dgm:txFillClrLst meth="repeat">
+      <a:schemeClr val="dk1"/>
+    </dgm:txFillClrLst>
+    <dgm:txEffectClrLst/>
+  </dgm:styleLbl>
+  <dgm:styleLbl name="conFgAcc1">
+    <dgm:fillClrLst meth="repeat">
+      <a:schemeClr val="lt1">
+        <a:alpha val="90000"/>
+      </a:schemeClr>
+    </dgm:fillClrLst>
+    <dgm:linClrLst>
+      <a:schemeClr val="accent5"/>
+      <a:schemeClr val="accent6"/>
+    </dgm:linClrLst>
+    <dgm:effectClrLst/>
+    <dgm:txLinClrLst/>
+    <dgm:txFillClrLst meth="repeat">
+      <a:schemeClr val="dk1"/>
+    </dgm:txFillClrLst>
+    <dgm:txEffectClrLst/>
+  </dgm:styleLbl>
+  <dgm:styleLbl name="alignAcc1">
+    <dgm:fillClrLst meth="repeat">
+      <a:schemeClr val="lt1">
+        <a:alpha val="90000"/>
+      </a:schemeClr>
+    </dgm:fillClrLst>
+    <dgm:linClrLst>
+      <a:schemeClr val="accent5"/>
+      <a:schemeClr val="accent6"/>
+    </dgm:linClrLst>
+    <dgm:effectClrLst/>
+    <dgm:txLinClrLst/>
+    <dgm:txFillClrLst meth="repeat">
+      <a:schemeClr val="dk1"/>
+    </dgm:txFillClrLst>
+    <dgm:txEffectClrLst/>
+  </dgm:styleLbl>
+  <dgm:styleLbl name="trAlignAcc1">
+    <dgm:fillClrLst meth="repeat">
+      <a:schemeClr val="lt1">
+        <a:alpha val="40000"/>
+      </a:schemeClr>
+    </dgm:fillClrLst>
+    <dgm:linClrLst meth="repeat">
+      <a:schemeClr val="accent5"/>
+    </dgm:linClrLst>
+    <dgm:effectClrLst/>
+    <dgm:txLinClrLst/>
+    <dgm:txFillClrLst meth="repeat">
+      <a:schemeClr val="dk1"/>
+    </dgm:txFillClrLst>
+    <dgm:txEffectClrLst/>
+  </dgm:styleLbl>
+  <dgm:styleLbl name="bgAcc1">
+    <dgm:fillClrLst meth="repeat">
+      <a:schemeClr val="lt1">
+        <a:alpha val="90000"/>
+      </a:schemeClr>
+    </dgm:fillClrLst>
+    <dgm:linClrLst>
+      <a:schemeClr val="accent5"/>
+      <a:schemeClr val="accent6"/>
+    </dgm:linClrLst>
+    <dgm:effectClrLst/>
+    <dgm:txLinClrLst/>
+    <dgm:txFillClrLst meth="repeat">
+      <a:schemeClr val="dk1"/>
+    </dgm:txFillClrLst>
+    <dgm:txEffectClrLst/>
+  </dgm:styleLbl>
+  <dgm:styleLbl name="solidFgAcc1">
+    <dgm:fillClrLst meth="repeat">
+      <a:schemeClr val="lt1"/>
+    </dgm:fillClrLst>
+    <dgm:linClrLst>
+      <a:schemeClr val="accent5"/>
+      <a:schemeClr val="accent6"/>
+    </dgm:linClrLst>
+    <dgm:effectClrLst/>
+    <dgm:txLinClrLst/>
+    <dgm:txFillClrLst meth="repeat">
+      <a:schemeClr val="dk1"/>
+    </dgm:txFillClrLst>
+    <dgm:txEffectClrLst/>
+  </dgm:styleLbl>
+  <dgm:styleLbl name="solidAlignAcc1">
+    <dgm:fillClrLst meth="repeat">
+      <a:schemeClr val="lt1"/>
+    </dgm:fillClrLst>
+    <dgm:linClrLst>
+      <a:schemeClr val="accent5"/>
+      <a:schemeClr val="accent6"/>
+    </dgm:linClrLst>
+    <dgm:effectClrLst/>
+    <dgm:txLinClrLst/>
+    <dgm:txFillClrLst meth="repeat">
+      <a:schemeClr val="dk1"/>
+    </dgm:txFillClrLst>
+    <dgm:txEffectClrLst/>
+  </dgm:styleLbl>
+  <dgm:styleLbl name="solidBgAcc1">
+    <dgm:fillClrLst meth="repeat">
+      <a:schemeClr val="lt1"/>
+    </dgm:fillClrLst>
+    <dgm:linClrLst>
+      <a:schemeClr val="accent5"/>
+      <a:schemeClr val="accent6"/>
+    </dgm:linClrLst>
+    <dgm:effectClrLst/>
+    <dgm:txLinClrLst/>
+    <dgm:txFillClrLst meth="repeat">
+      <a:schemeClr val="dk1"/>
+    </dgm:txFillClrLst>
+    <dgm:txEffectClrLst/>
+  </dgm:styleLbl>
+  <dgm:styleLbl name="fgAccFollowNode1">
+    <dgm:fillClrLst>
+      <a:schemeClr val="accent5">
+        <a:tint val="40000"/>
+        <a:alpha val="90000"/>
+      </a:schemeClr>
+      <a:schemeClr val="accent6">
+        <a:tint val="40000"/>
+        <a:alpha val="90000"/>
+      </a:schemeClr>
+    </dgm:fillClrLst>
+    <dgm:linClrLst>
+      <a:schemeClr val="accent5">
+        <a:tint val="40000"/>
+        <a:alpha val="90000"/>
+      </a:schemeClr>
+      <a:schemeClr val="accent5">
+        <a:tint val="40000"/>
+        <a:alpha val="90000"/>
+      </a:schemeClr>
+    </dgm:linClrLst>
+    <dgm:effectClrLst/>
+    <dgm:txLinClrLst/>
+    <dgm:txFillClrLst meth="repeat">
+      <a:schemeClr val="dk1"/>
+    </dgm:txFillClrLst>
+    <dgm:txEffectClrLst/>
+  </dgm:styleLbl>
+  <dgm:styleLbl name="alignAccFollowNode1">
+    <dgm:fillClrLst>
+      <a:schemeClr val="accent5">
+        <a:tint val="40000"/>
+        <a:alpha val="90000"/>
+      </a:schemeClr>
+      <a:schemeClr val="accent6">
+        <a:tint val="40000"/>
+        <a:alpha val="90000"/>
+      </a:schemeClr>
+    </dgm:fillClrLst>
+    <dgm:linClrLst>
+      <a:schemeClr val="accent5">
+        <a:tint val="40000"/>
+        <a:alpha val="90000"/>
+      </a:schemeClr>
+      <a:schemeClr val="accent6">
+        <a:tint val="40000"/>
+        <a:alpha val="90000"/>
+      </a:schemeClr>
+    </dgm:linClrLst>
+    <dgm:effectClrLst/>
+    <dgm:txLinClrLst/>
+    <dgm:txFillClrLst meth="repeat">
+      <a:schemeClr val="dk1"/>
+    </dgm:txFillClrLst>
+    <dgm:txEffectClrLst/>
+  </dgm:styleLbl>
+  <dgm:styleLbl name="bgAccFollowNode1">
+    <dgm:fillClrLst>
+      <a:schemeClr val="accent5">
+        <a:tint val="40000"/>
+        <a:alpha val="90000"/>
+      </a:schemeClr>
+      <a:schemeClr val="accent6">
+        <a:tint val="40000"/>
+        <a:alpha val="90000"/>
+      </a:schemeClr>
+    </dgm:fillClrLst>
+    <dgm:linClrLst>
+      <a:schemeClr val="accent5">
+        <a:tint val="40000"/>
+        <a:alpha val="90000"/>
+      </a:schemeClr>
+      <a:schemeClr val="accent6">
+        <a:tint val="40000"/>
+        <a:alpha val="90000"/>
+      </a:schemeClr>
+    </dgm:linClrLst>
+    <dgm:effectClrLst/>
+    <dgm:txLinClrLst/>
+    <dgm:txFillClrLst meth="repeat">
+      <a:schemeClr val="dk1"/>
+    </dgm:txFillClrLst>
+    <dgm:txEffectClrLst/>
+  </dgm:styleLbl>
+  <dgm:styleLbl name="fgAcc0">
+    <dgm:fillClrLst meth="repeat">
+      <a:schemeClr val="lt1">
+        <a:alpha val="90000"/>
+      </a:schemeClr>
+    </dgm:fillClrLst>
+    <dgm:linClrLst>
+      <a:schemeClr val="accent4"/>
+    </dgm:linClrLst>
+    <dgm:effectClrLst/>
+    <dgm:txLinClrLst/>
+    <dgm:txFillClrLst meth="repeat">
+      <a:schemeClr val="dk1"/>
+    </dgm:txFillClrLst>
+    <dgm:txEffectClrLst/>
+  </dgm:styleLbl>
+  <dgm:styleLbl name="fgAcc2">
+    <dgm:fillClrLst meth="repeat">
+      <a:schemeClr val="lt1">
+        <a:alpha val="90000"/>
+      </a:schemeClr>
+    </dgm:fillClrLst>
+    <dgm:linClrLst>
+      <a:schemeClr val="accent6"/>
+    </dgm:linClrLst>
+    <dgm:effectClrLst/>
+    <dgm:txLinClrLst/>
+    <dgm:txFillClrLst meth="repeat">
+      <a:schemeClr val="dk1"/>
+    </dgm:txFillClrLst>
+    <dgm:txEffectClrLst/>
+  </dgm:styleLbl>
+  <dgm:styleLbl name="fgAcc3">
+    <dgm:fillClrLst meth="repeat">
+      <a:schemeClr val="lt1">
+        <a:alpha val="90000"/>
+      </a:schemeClr>
+    </dgm:fillClrLst>
+    <dgm:linClrLst>
+      <a:schemeClr val="accent1"/>
+    </dgm:linClrLst>
+    <dgm:effectClrLst/>
+    <dgm:txLinClrLst/>
+    <dgm:txFillClrLst meth="repeat">
+      <a:schemeClr val="dk1"/>
+    </dgm:txFillClrLst>
+    <dgm:txEffectClrLst/>
+  </dgm:styleLbl>
+  <dgm:styleLbl name="fgAcc4">
+    <dgm:fillClrLst meth="repeat">
+      <a:schemeClr val="lt1">
+        <a:alpha val="90000"/>
+      </a:schemeClr>
+    </dgm:fillClrLst>
+    <dgm:linClrLst>
+      <a:schemeClr val="accent2"/>
+    </dgm:linClrLst>
+    <dgm:effectClrLst/>
+    <dgm:txLinClrLst/>
+    <dgm:txFillClrLst meth="repeat">
+      <a:schemeClr val="dk1"/>
+    </dgm:txFillClrLst>
+    <dgm:txEffectClrLst/>
+  </dgm:styleLbl>
+  <dgm:styleLbl name="bgShp">
+    <dgm:fillClrLst meth="repeat">
+      <a:schemeClr val="bg1">
+        <a:lumMod val="95000"/>
       </a:schemeClr>
     </dgm:fillClrLst>
     <dgm:linClrLst meth="repeat">
@@ -3602,6 +4386,234 @@
     <dgm:cxn modelId="{BEFFFCA7-6346-491E-862C-74CC99CFE9EC}" srcId="{8C9F5DF4-A5F6-4E03-9373-BA6C6CFAA796}" destId="{A8767BD6-BE6F-4F4C-9DD3-4B3484FF6DFE}" srcOrd="3" destOrd="0" parTransId="{D8578387-B52B-4704-9D80-3079DE2C33B7}" sibTransId="{BB863046-8787-48DA-B857-9D7D0179767D}"/>
     <dgm:cxn modelId="{7C559885-88A1-4F2E-8E6D-E82BE43CE789}" type="presParOf" srcId="{1B9BE835-3D99-4292-B944-7852330CF243}" destId="{3096DACC-49AF-478F-A460-5707FF8C868A}" srcOrd="0" destOrd="0" presId="urn:microsoft.com/office/officeart/2005/8/layout/vList2"/>
     <dgm:cxn modelId="{1A630C1C-E983-4454-B5D5-2A869AD596FD}" type="presParOf" srcId="{1B9BE835-3D99-4292-B944-7852330CF243}" destId="{EAD9EF07-04D3-404B-A4BA-E4286058133E}" srcOrd="1" destOrd="0" presId="urn:microsoft.com/office/officeart/2005/8/layout/vList2"/>
+  </dgm:cxnLst>
+  <dgm:bg/>
+  <dgm:whole/>
+  <dgm:extLst>
+    <a:ext uri="http://schemas.microsoft.com/office/drawing/2008/diagram">
+      <dsp:dataModelExt xmlns:dsp="http://schemas.microsoft.com/office/drawing/2008/diagram" relId="rId6" minVer="http://schemas.openxmlformats.org/drawingml/2006/diagram"/>
+    </a:ext>
+  </dgm:extLst>
+</dgm:dataModel>
+</file>
+
+<file path=ppt/diagrams/data4.xml><?xml version="1.0" encoding="utf-8"?>
+<dgm:dataModel xmlns:dgm="http://schemas.openxmlformats.org/drawingml/2006/diagram" xmlns:a="http://schemas.openxmlformats.org/drawingml/2006/main">
+  <dgm:ptLst>
+    <dgm:pt modelId="{1E07DB8A-DC40-48DC-A497-937964014299}" type="doc">
+      <dgm:prSet loTypeId="urn:microsoft.com/office/officeart/2018/2/layout/IconVerticalSolidList" loCatId="icon" qsTypeId="urn:microsoft.com/office/officeart/2005/8/quickstyle/simple1" qsCatId="simple" csTypeId="urn:microsoft.com/office/officeart/2018/5/colors/Iconchunking_neutralbg_colorful5" csCatId="colorful" phldr="1"/>
+      <dgm:spPr/>
+      <dgm:t>
+        <a:bodyPr/>
+        <a:lstStyle/>
+        <a:p>
+          <a:endParaRPr lang="en-US"/>
+        </a:p>
+      </dgm:t>
+    </dgm:pt>
+    <dgm:pt modelId="{6D75BBA4-B0B9-4089-A9B5-A90DE804E78B}">
+      <dgm:prSet/>
+      <dgm:spPr/>
+      <dgm:t>
+        <a:bodyPr/>
+        <a:lstStyle/>
+        <a:p>
+          <a:r>
+            <a:rPr lang="pt-PT"/>
+            <a:t>Car Movement</a:t>
+          </a:r>
+          <a:endParaRPr lang="en-US"/>
+        </a:p>
+      </dgm:t>
+    </dgm:pt>
+    <dgm:pt modelId="{8509214F-4686-4CEF-9D2F-C69A917E9EBA}" type="parTrans" cxnId="{827D3C73-0DFE-4D87-8C0D-79C84CDEE0DF}">
+      <dgm:prSet/>
+      <dgm:spPr/>
+      <dgm:t>
+        <a:bodyPr/>
+        <a:lstStyle/>
+        <a:p>
+          <a:endParaRPr lang="en-US"/>
+        </a:p>
+      </dgm:t>
+    </dgm:pt>
+    <dgm:pt modelId="{18A97669-B449-4E0D-A306-52ACE1935E00}" type="sibTrans" cxnId="{827D3C73-0DFE-4D87-8C0D-79C84CDEE0DF}">
+      <dgm:prSet/>
+      <dgm:spPr/>
+      <dgm:t>
+        <a:bodyPr/>
+        <a:lstStyle/>
+        <a:p>
+          <a:endParaRPr lang="en-US"/>
+        </a:p>
+      </dgm:t>
+    </dgm:pt>
+    <dgm:pt modelId="{884ADA61-884D-4E7D-B13D-CEA37B02DCC4}">
+      <dgm:prSet/>
+      <dgm:spPr/>
+      <dgm:t>
+        <a:bodyPr/>
+        <a:lstStyle/>
+        <a:p>
+          <a:r>
+            <a:rPr lang="pt-PT"/>
+            <a:t>Spotlight Movement</a:t>
+          </a:r>
+          <a:endParaRPr lang="en-US"/>
+        </a:p>
+      </dgm:t>
+    </dgm:pt>
+    <dgm:pt modelId="{42497A2C-A2CE-43E1-950B-7BED1C441169}" type="parTrans" cxnId="{A4950F6A-E5F0-4CC4-99AD-11A35F99DDF0}">
+      <dgm:prSet/>
+      <dgm:spPr/>
+      <dgm:t>
+        <a:bodyPr/>
+        <a:lstStyle/>
+        <a:p>
+          <a:endParaRPr lang="en-US"/>
+        </a:p>
+      </dgm:t>
+    </dgm:pt>
+    <dgm:pt modelId="{465A2989-CD2D-4BC9-A9FC-4F9120205146}" type="sibTrans" cxnId="{A4950F6A-E5F0-4CC4-99AD-11A35F99DDF0}">
+      <dgm:prSet/>
+      <dgm:spPr/>
+      <dgm:t>
+        <a:bodyPr/>
+        <a:lstStyle/>
+        <a:p>
+          <a:endParaRPr lang="en-US"/>
+        </a:p>
+      </dgm:t>
+    </dgm:pt>
+    <dgm:pt modelId="{149A7B0B-10AD-4606-9D93-81C5ABFF9D16}" type="pres">
+      <dgm:prSet presAssocID="{1E07DB8A-DC40-48DC-A497-937964014299}" presName="root" presStyleCnt="0">
+        <dgm:presLayoutVars>
+          <dgm:dir/>
+          <dgm:resizeHandles val="exact"/>
+        </dgm:presLayoutVars>
+      </dgm:prSet>
+      <dgm:spPr/>
+    </dgm:pt>
+    <dgm:pt modelId="{8F82B550-7C8C-4C9A-8902-3D61F066C982}" type="pres">
+      <dgm:prSet presAssocID="{6D75BBA4-B0B9-4089-A9B5-A90DE804E78B}" presName="compNode" presStyleCnt="0"/>
+      <dgm:spPr/>
+    </dgm:pt>
+    <dgm:pt modelId="{7C8358B5-6306-4208-93B0-F3F482CCB1CF}" type="pres">
+      <dgm:prSet presAssocID="{6D75BBA4-B0B9-4089-A9B5-A90DE804E78B}" presName="bgRect" presStyleLbl="bgShp" presStyleIdx="0" presStyleCnt="2"/>
+      <dgm:spPr/>
+    </dgm:pt>
+    <dgm:pt modelId="{278C2FE6-67D6-4333-A0B4-B4A290AAD758}" type="pres">
+      <dgm:prSet presAssocID="{6D75BBA4-B0B9-4089-A9B5-A90DE804E78B}" presName="iconRect" presStyleLbl="node1" presStyleIdx="0" presStyleCnt="2"/>
+      <dgm:spPr>
+        <a:blipFill>
+          <a:blip xmlns:r="http://schemas.openxmlformats.org/officeDocument/2006/relationships" r:embed="rId1">
+            <a:extLst>
+              <a:ext uri="{28A0092B-C50C-407E-A947-70E740481C1C}">
+                <a14:useLocalDpi xmlns:a14="http://schemas.microsoft.com/office/drawing/2010/main" val="0"/>
+              </a:ext>
+              <a:ext uri="{96DAC541-7B7A-43D3-8B79-37D633B846F1}">
+                <asvg:svgBlip xmlns:asvg="http://schemas.microsoft.com/office/drawing/2016/SVG/main" r:embed="rId2"/>
+              </a:ext>
+            </a:extLst>
+          </a:blip>
+          <a:stretch>
+            <a:fillRect/>
+          </a:stretch>
+        </a:blipFill>
+        <a:ln>
+          <a:noFill/>
+        </a:ln>
+      </dgm:spPr>
+      <dgm:extLst>
+        <a:ext uri="{E40237B7-FDA0-4F09-8148-C483321AD2D9}">
+          <dgm14:cNvPr xmlns:dgm14="http://schemas.microsoft.com/office/drawing/2010/diagram" id="0" name="" descr="Carro"/>
+        </a:ext>
+      </dgm:extLst>
+    </dgm:pt>
+    <dgm:pt modelId="{DAFDED5A-7D1F-4818-A298-A327E9D3B619}" type="pres">
+      <dgm:prSet presAssocID="{6D75BBA4-B0B9-4089-A9B5-A90DE804E78B}" presName="spaceRect" presStyleCnt="0"/>
+      <dgm:spPr/>
+    </dgm:pt>
+    <dgm:pt modelId="{CFDB18B2-4198-43BD-98B3-94453795EB34}" type="pres">
+      <dgm:prSet presAssocID="{6D75BBA4-B0B9-4089-A9B5-A90DE804E78B}" presName="parTx" presStyleLbl="revTx" presStyleIdx="0" presStyleCnt="2">
+        <dgm:presLayoutVars>
+          <dgm:chMax val="0"/>
+          <dgm:chPref val="0"/>
+        </dgm:presLayoutVars>
+      </dgm:prSet>
+      <dgm:spPr/>
+    </dgm:pt>
+    <dgm:pt modelId="{0E810D7B-0051-48E5-9A68-D447F6768A61}" type="pres">
+      <dgm:prSet presAssocID="{18A97669-B449-4E0D-A306-52ACE1935E00}" presName="sibTrans" presStyleCnt="0"/>
+      <dgm:spPr/>
+    </dgm:pt>
+    <dgm:pt modelId="{3D0F7277-FEF2-4F9B-8BA5-8B1EB900BFAB}" type="pres">
+      <dgm:prSet presAssocID="{884ADA61-884D-4E7D-B13D-CEA37B02DCC4}" presName="compNode" presStyleCnt="0"/>
+      <dgm:spPr/>
+    </dgm:pt>
+    <dgm:pt modelId="{4A1DD8D2-37CA-4F9B-9F5F-4E6992A0AACD}" type="pres">
+      <dgm:prSet presAssocID="{884ADA61-884D-4E7D-B13D-CEA37B02DCC4}" presName="bgRect" presStyleLbl="bgShp" presStyleIdx="1" presStyleCnt="2"/>
+      <dgm:spPr/>
+    </dgm:pt>
+    <dgm:pt modelId="{7619A86F-0BF0-4209-8A9A-AC10503B96E3}" type="pres">
+      <dgm:prSet presAssocID="{884ADA61-884D-4E7D-B13D-CEA37B02DCC4}" presName="iconRect" presStyleLbl="node1" presStyleIdx="1" presStyleCnt="2"/>
+      <dgm:spPr>
+        <a:blipFill>
+          <a:blip xmlns:r="http://schemas.openxmlformats.org/officeDocument/2006/relationships" r:embed="rId3">
+            <a:extLst>
+              <a:ext uri="{28A0092B-C50C-407E-A947-70E740481C1C}">
+                <a14:useLocalDpi xmlns:a14="http://schemas.microsoft.com/office/drawing/2010/main" val="0"/>
+              </a:ext>
+              <a:ext uri="{96DAC541-7B7A-43D3-8B79-37D633B846F1}">
+                <asvg:svgBlip xmlns:asvg="http://schemas.microsoft.com/office/drawing/2016/SVG/main" r:embed="rId4"/>
+              </a:ext>
+            </a:extLst>
+          </a:blip>
+          <a:stretch>
+            <a:fillRect/>
+          </a:stretch>
+        </a:blipFill>
+        <a:ln>
+          <a:noFill/>
+        </a:ln>
+      </dgm:spPr>
+      <dgm:extLst>
+        <a:ext uri="{E40237B7-FDA0-4F09-8148-C483321AD2D9}">
+          <dgm14:cNvPr xmlns:dgm14="http://schemas.microsoft.com/office/drawing/2010/diagram" id="0" name="" descr="Lâmpada"/>
+        </a:ext>
+      </dgm:extLst>
+    </dgm:pt>
+    <dgm:pt modelId="{B6B9FCE6-6789-4BBA-827C-7970338D1428}" type="pres">
+      <dgm:prSet presAssocID="{884ADA61-884D-4E7D-B13D-CEA37B02DCC4}" presName="spaceRect" presStyleCnt="0"/>
+      <dgm:spPr/>
+    </dgm:pt>
+    <dgm:pt modelId="{60315B8B-6C70-4268-B204-1E41F51ECC99}" type="pres">
+      <dgm:prSet presAssocID="{884ADA61-884D-4E7D-B13D-CEA37B02DCC4}" presName="parTx" presStyleLbl="revTx" presStyleIdx="1" presStyleCnt="2">
+        <dgm:presLayoutVars>
+          <dgm:chMax val="0"/>
+          <dgm:chPref val="0"/>
+        </dgm:presLayoutVars>
+      </dgm:prSet>
+      <dgm:spPr/>
+    </dgm:pt>
+  </dgm:ptLst>
+  <dgm:cxnLst>
+    <dgm:cxn modelId="{ECF4F421-C22C-4C6B-929E-3755212FED50}" type="presOf" srcId="{884ADA61-884D-4E7D-B13D-CEA37B02DCC4}" destId="{60315B8B-6C70-4268-B204-1E41F51ECC99}" srcOrd="0" destOrd="0" presId="urn:microsoft.com/office/officeart/2018/2/layout/IconVerticalSolidList"/>
+    <dgm:cxn modelId="{A4950F6A-E5F0-4CC4-99AD-11A35F99DDF0}" srcId="{1E07DB8A-DC40-48DC-A497-937964014299}" destId="{884ADA61-884D-4E7D-B13D-CEA37B02DCC4}" srcOrd="1" destOrd="0" parTransId="{42497A2C-A2CE-43E1-950B-7BED1C441169}" sibTransId="{465A2989-CD2D-4BC9-A9FC-4F9120205146}"/>
+    <dgm:cxn modelId="{827D3C73-0DFE-4D87-8C0D-79C84CDEE0DF}" srcId="{1E07DB8A-DC40-48DC-A497-937964014299}" destId="{6D75BBA4-B0B9-4089-A9B5-A90DE804E78B}" srcOrd="0" destOrd="0" parTransId="{8509214F-4686-4CEF-9D2F-C69A917E9EBA}" sibTransId="{18A97669-B449-4E0D-A306-52ACE1935E00}"/>
+    <dgm:cxn modelId="{A212DD85-02A8-4639-BBC1-1AE67F5481A5}" type="presOf" srcId="{1E07DB8A-DC40-48DC-A497-937964014299}" destId="{149A7B0B-10AD-4606-9D93-81C5ABFF9D16}" srcOrd="0" destOrd="0" presId="urn:microsoft.com/office/officeart/2018/2/layout/IconVerticalSolidList"/>
+    <dgm:cxn modelId="{07D094D5-FB64-49EC-AF77-82C1669306C4}" type="presOf" srcId="{6D75BBA4-B0B9-4089-A9B5-A90DE804E78B}" destId="{CFDB18B2-4198-43BD-98B3-94453795EB34}" srcOrd="0" destOrd="0" presId="urn:microsoft.com/office/officeart/2018/2/layout/IconVerticalSolidList"/>
+    <dgm:cxn modelId="{AD0D4B3B-6E13-4C6C-9376-358E45D7971F}" type="presParOf" srcId="{149A7B0B-10AD-4606-9D93-81C5ABFF9D16}" destId="{8F82B550-7C8C-4C9A-8902-3D61F066C982}" srcOrd="0" destOrd="0" presId="urn:microsoft.com/office/officeart/2018/2/layout/IconVerticalSolidList"/>
+    <dgm:cxn modelId="{F6D70044-5775-428C-ACC0-1B6E2EBF6E31}" type="presParOf" srcId="{8F82B550-7C8C-4C9A-8902-3D61F066C982}" destId="{7C8358B5-6306-4208-93B0-F3F482CCB1CF}" srcOrd="0" destOrd="0" presId="urn:microsoft.com/office/officeart/2018/2/layout/IconVerticalSolidList"/>
+    <dgm:cxn modelId="{7689FDBD-32E3-4CD9-87F9-067EA52374E4}" type="presParOf" srcId="{8F82B550-7C8C-4C9A-8902-3D61F066C982}" destId="{278C2FE6-67D6-4333-A0B4-B4A290AAD758}" srcOrd="1" destOrd="0" presId="urn:microsoft.com/office/officeart/2018/2/layout/IconVerticalSolidList"/>
+    <dgm:cxn modelId="{96B0E627-1D08-47B8-9B35-A7E999221B9B}" type="presParOf" srcId="{8F82B550-7C8C-4C9A-8902-3D61F066C982}" destId="{DAFDED5A-7D1F-4818-A298-A327E9D3B619}" srcOrd="2" destOrd="0" presId="urn:microsoft.com/office/officeart/2018/2/layout/IconVerticalSolidList"/>
+    <dgm:cxn modelId="{14B65DF6-1028-44B0-99FC-8F782938F4C5}" type="presParOf" srcId="{8F82B550-7C8C-4C9A-8902-3D61F066C982}" destId="{CFDB18B2-4198-43BD-98B3-94453795EB34}" srcOrd="3" destOrd="0" presId="urn:microsoft.com/office/officeart/2018/2/layout/IconVerticalSolidList"/>
+    <dgm:cxn modelId="{4B7A1771-0C8E-45AC-ABF8-03ADCE442901}" type="presParOf" srcId="{149A7B0B-10AD-4606-9D93-81C5ABFF9D16}" destId="{0E810D7B-0051-48E5-9A68-D447F6768A61}" srcOrd="1" destOrd="0" presId="urn:microsoft.com/office/officeart/2018/2/layout/IconVerticalSolidList"/>
+    <dgm:cxn modelId="{AFC1C24D-AFE8-4DC3-9EFC-9931CF102E6D}" type="presParOf" srcId="{149A7B0B-10AD-4606-9D93-81C5ABFF9D16}" destId="{3D0F7277-FEF2-4F9B-8BA5-8B1EB900BFAB}" srcOrd="2" destOrd="0" presId="urn:microsoft.com/office/officeart/2018/2/layout/IconVerticalSolidList"/>
+    <dgm:cxn modelId="{493C785E-788D-40C8-9014-5C9803900A6B}" type="presParOf" srcId="{3D0F7277-FEF2-4F9B-8BA5-8B1EB900BFAB}" destId="{4A1DD8D2-37CA-4F9B-9F5F-4E6992A0AACD}" srcOrd="0" destOrd="0" presId="urn:microsoft.com/office/officeart/2018/2/layout/IconVerticalSolidList"/>
+    <dgm:cxn modelId="{6311D2A6-D015-4DC0-8BC5-D732963C11DC}" type="presParOf" srcId="{3D0F7277-FEF2-4F9B-8BA5-8B1EB900BFAB}" destId="{7619A86F-0BF0-4209-8A9A-AC10503B96E3}" srcOrd="1" destOrd="0" presId="urn:microsoft.com/office/officeart/2018/2/layout/IconVerticalSolidList"/>
+    <dgm:cxn modelId="{516E37C6-77F5-4E07-A3D5-2F0F1E5B1C14}" type="presParOf" srcId="{3D0F7277-FEF2-4F9B-8BA5-8B1EB900BFAB}" destId="{B6B9FCE6-6789-4BBA-827C-7970338D1428}" srcOrd="2" destOrd="0" presId="urn:microsoft.com/office/officeart/2018/2/layout/IconVerticalSolidList"/>
+    <dgm:cxn modelId="{FFE57647-A472-4513-8FC7-B859880F5677}" type="presParOf" srcId="{3D0F7277-FEF2-4F9B-8BA5-8B1EB900BFAB}" destId="{60315B8B-6C70-4268-B204-1E41F51ECC99}" srcOrd="3" destOrd="0" presId="urn:microsoft.com/office/officeart/2018/2/layout/IconVerticalSolidList"/>
   </dgm:cxnLst>
   <dgm:bg/>
   <dgm:whole/>
@@ -4831,6 +5843,324 @@
 </dsp:drawing>
 </file>
 
+<file path=ppt/diagrams/drawing4.xml><?xml version="1.0" encoding="utf-8"?>
+<dsp:drawing xmlns:dgm="http://schemas.openxmlformats.org/drawingml/2006/diagram" xmlns:dsp="http://schemas.microsoft.com/office/drawing/2008/diagram" xmlns:a="http://schemas.openxmlformats.org/drawingml/2006/main">
+  <dsp:spTree>
+    <dsp:nvGrpSpPr>
+      <dsp:cNvPr id="0" name=""/>
+      <dsp:cNvGrpSpPr/>
+    </dsp:nvGrpSpPr>
+    <dsp:grpSpPr/>
+    <dsp:sp modelId="{7C8358B5-6306-4208-93B0-F3F482CCB1CF}">
+      <dsp:nvSpPr>
+        <dsp:cNvPr id="0" name=""/>
+        <dsp:cNvSpPr/>
+      </dsp:nvSpPr>
+      <dsp:spPr>
+        <a:xfrm>
+          <a:off x="0" y="958220"/>
+          <a:ext cx="6588691" cy="1769022"/>
+        </a:xfrm>
+        <a:prstGeom prst="roundRect">
+          <a:avLst>
+            <a:gd name="adj" fmla="val 10000"/>
+          </a:avLst>
+        </a:prstGeom>
+        <a:solidFill>
+          <a:schemeClr val="bg1">
+            <a:lumMod val="95000"/>
+            <a:hueOff val="0"/>
+            <a:satOff val="0"/>
+            <a:lumOff val="0"/>
+            <a:alphaOff val="0"/>
+          </a:schemeClr>
+        </a:solidFill>
+        <a:ln>
+          <a:noFill/>
+        </a:ln>
+        <a:effectLst/>
+      </dsp:spPr>
+      <dsp:style>
+        <a:lnRef idx="0">
+          <a:scrgbClr r="0" g="0" b="0"/>
+        </a:lnRef>
+        <a:fillRef idx="1">
+          <a:scrgbClr r="0" g="0" b="0"/>
+        </a:fillRef>
+        <a:effectRef idx="0">
+          <a:scrgbClr r="0" g="0" b="0"/>
+        </a:effectRef>
+        <a:fontRef idx="minor"/>
+      </dsp:style>
+    </dsp:sp>
+    <dsp:sp modelId="{278C2FE6-67D6-4333-A0B4-B4A290AAD758}">
+      <dsp:nvSpPr>
+        <dsp:cNvPr id="0" name=""/>
+        <dsp:cNvSpPr/>
+      </dsp:nvSpPr>
+      <dsp:spPr>
+        <a:xfrm>
+          <a:off x="535129" y="1356250"/>
+          <a:ext cx="972962" cy="972962"/>
+        </a:xfrm>
+        <a:prstGeom prst="rect">
+          <a:avLst/>
+        </a:prstGeom>
+        <a:blipFill>
+          <a:blip xmlns:r="http://schemas.openxmlformats.org/officeDocument/2006/relationships" r:embed="rId1">
+            <a:extLst>
+              <a:ext uri="{28A0092B-C50C-407E-A947-70E740481C1C}">
+                <a14:useLocalDpi xmlns:a14="http://schemas.microsoft.com/office/drawing/2010/main" val="0"/>
+              </a:ext>
+              <a:ext uri="{96DAC541-7B7A-43D3-8B79-37D633B846F1}">
+                <asvg:svgBlip xmlns:asvg="http://schemas.microsoft.com/office/drawing/2016/SVG/main" r:embed="rId2"/>
+              </a:ext>
+            </a:extLst>
+          </a:blip>
+          <a:stretch>
+            <a:fillRect/>
+          </a:stretch>
+        </a:blipFill>
+        <a:ln w="12700" cap="flat" cmpd="sng" algn="ctr">
+          <a:noFill/>
+          <a:prstDash val="solid"/>
+          <a:miter lim="800000"/>
+        </a:ln>
+        <a:effectLst/>
+      </dsp:spPr>
+      <dsp:style>
+        <a:lnRef idx="2">
+          <a:scrgbClr r="0" g="0" b="0"/>
+        </a:lnRef>
+        <a:fillRef idx="1">
+          <a:scrgbClr r="0" g="0" b="0"/>
+        </a:fillRef>
+        <a:effectRef idx="0">
+          <a:scrgbClr r="0" g="0" b="0"/>
+        </a:effectRef>
+        <a:fontRef idx="minor">
+          <a:schemeClr val="lt1"/>
+        </a:fontRef>
+      </dsp:style>
+    </dsp:sp>
+    <dsp:sp modelId="{CFDB18B2-4198-43BD-98B3-94453795EB34}">
+      <dsp:nvSpPr>
+        <dsp:cNvPr id="0" name=""/>
+        <dsp:cNvSpPr/>
+      </dsp:nvSpPr>
+      <dsp:spPr>
+        <a:xfrm>
+          <a:off x="2043221" y="958220"/>
+          <a:ext cx="4545469" cy="1769022"/>
+        </a:xfrm>
+        <a:prstGeom prst="rect">
+          <a:avLst/>
+        </a:prstGeom>
+        <a:noFill/>
+        <a:ln>
+          <a:noFill/>
+        </a:ln>
+        <a:effectLst/>
+      </dsp:spPr>
+      <dsp:style>
+        <a:lnRef idx="0">
+          <a:scrgbClr r="0" g="0" b="0"/>
+        </a:lnRef>
+        <a:fillRef idx="0">
+          <a:scrgbClr r="0" g="0" b="0"/>
+        </a:fillRef>
+        <a:effectRef idx="0">
+          <a:scrgbClr r="0" g="0" b="0"/>
+        </a:effectRef>
+        <a:fontRef idx="minor"/>
+      </dsp:style>
+      <dsp:txBody>
+        <a:bodyPr spcFirstLastPara="0" vert="horz" wrap="square" lIns="187222" tIns="187222" rIns="187222" bIns="187222" numCol="1" spcCol="1270" anchor="ctr" anchorCtr="0">
+          <a:noAutofit/>
+        </a:bodyPr>
+        <a:lstStyle/>
+        <a:p>
+          <a:pPr marL="0" lvl="0" indent="0" algn="l" defTabSz="1111250">
+            <a:lnSpc>
+              <a:spcPct val="90000"/>
+            </a:lnSpc>
+            <a:spcBef>
+              <a:spcPct val="0"/>
+            </a:spcBef>
+            <a:spcAft>
+              <a:spcPct val="35000"/>
+            </a:spcAft>
+            <a:buNone/>
+          </a:pPr>
+          <a:r>
+            <a:rPr lang="pt-PT" sz="2500" kern="1200"/>
+            <a:t>Car Movement</a:t>
+          </a:r>
+          <a:endParaRPr lang="en-US" sz="2500" kern="1200"/>
+        </a:p>
+      </dsp:txBody>
+      <dsp:txXfrm>
+        <a:off x="2043221" y="958220"/>
+        <a:ext cx="4545469" cy="1769022"/>
+      </dsp:txXfrm>
+    </dsp:sp>
+    <dsp:sp modelId="{4A1DD8D2-37CA-4F9B-9F5F-4E6992A0AACD}">
+      <dsp:nvSpPr>
+        <dsp:cNvPr id="0" name=""/>
+        <dsp:cNvSpPr/>
+      </dsp:nvSpPr>
+      <dsp:spPr>
+        <a:xfrm>
+          <a:off x="0" y="3169499"/>
+          <a:ext cx="6588691" cy="1769022"/>
+        </a:xfrm>
+        <a:prstGeom prst="roundRect">
+          <a:avLst>
+            <a:gd name="adj" fmla="val 10000"/>
+          </a:avLst>
+        </a:prstGeom>
+        <a:solidFill>
+          <a:schemeClr val="bg1">
+            <a:lumMod val="95000"/>
+            <a:hueOff val="0"/>
+            <a:satOff val="0"/>
+            <a:lumOff val="0"/>
+            <a:alphaOff val="0"/>
+          </a:schemeClr>
+        </a:solidFill>
+        <a:ln>
+          <a:noFill/>
+        </a:ln>
+        <a:effectLst/>
+      </dsp:spPr>
+      <dsp:style>
+        <a:lnRef idx="0">
+          <a:scrgbClr r="0" g="0" b="0"/>
+        </a:lnRef>
+        <a:fillRef idx="1">
+          <a:scrgbClr r="0" g="0" b="0"/>
+        </a:fillRef>
+        <a:effectRef idx="0">
+          <a:scrgbClr r="0" g="0" b="0"/>
+        </a:effectRef>
+        <a:fontRef idx="minor"/>
+      </dsp:style>
+    </dsp:sp>
+    <dsp:sp modelId="{7619A86F-0BF0-4209-8A9A-AC10503B96E3}">
+      <dsp:nvSpPr>
+        <dsp:cNvPr id="0" name=""/>
+        <dsp:cNvSpPr/>
+      </dsp:nvSpPr>
+      <dsp:spPr>
+        <a:xfrm>
+          <a:off x="535129" y="3567529"/>
+          <a:ext cx="972962" cy="972962"/>
+        </a:xfrm>
+        <a:prstGeom prst="rect">
+          <a:avLst/>
+        </a:prstGeom>
+        <a:blipFill>
+          <a:blip xmlns:r="http://schemas.openxmlformats.org/officeDocument/2006/relationships" r:embed="rId3">
+            <a:extLst>
+              <a:ext uri="{28A0092B-C50C-407E-A947-70E740481C1C}">
+                <a14:useLocalDpi xmlns:a14="http://schemas.microsoft.com/office/drawing/2010/main" val="0"/>
+              </a:ext>
+              <a:ext uri="{96DAC541-7B7A-43D3-8B79-37D633B846F1}">
+                <asvg:svgBlip xmlns:asvg="http://schemas.microsoft.com/office/drawing/2016/SVG/main" r:embed="rId4"/>
+              </a:ext>
+            </a:extLst>
+          </a:blip>
+          <a:stretch>
+            <a:fillRect/>
+          </a:stretch>
+        </a:blipFill>
+        <a:ln w="12700" cap="flat" cmpd="sng" algn="ctr">
+          <a:noFill/>
+          <a:prstDash val="solid"/>
+          <a:miter lim="800000"/>
+        </a:ln>
+        <a:effectLst/>
+      </dsp:spPr>
+      <dsp:style>
+        <a:lnRef idx="2">
+          <a:scrgbClr r="0" g="0" b="0"/>
+        </a:lnRef>
+        <a:fillRef idx="1">
+          <a:scrgbClr r="0" g="0" b="0"/>
+        </a:fillRef>
+        <a:effectRef idx="0">
+          <a:scrgbClr r="0" g="0" b="0"/>
+        </a:effectRef>
+        <a:fontRef idx="minor">
+          <a:schemeClr val="lt1"/>
+        </a:fontRef>
+      </dsp:style>
+    </dsp:sp>
+    <dsp:sp modelId="{60315B8B-6C70-4268-B204-1E41F51ECC99}">
+      <dsp:nvSpPr>
+        <dsp:cNvPr id="0" name=""/>
+        <dsp:cNvSpPr/>
+      </dsp:nvSpPr>
+      <dsp:spPr>
+        <a:xfrm>
+          <a:off x="2043221" y="3169499"/>
+          <a:ext cx="4545469" cy="1769022"/>
+        </a:xfrm>
+        <a:prstGeom prst="rect">
+          <a:avLst/>
+        </a:prstGeom>
+        <a:noFill/>
+        <a:ln>
+          <a:noFill/>
+        </a:ln>
+        <a:effectLst/>
+      </dsp:spPr>
+      <dsp:style>
+        <a:lnRef idx="0">
+          <a:scrgbClr r="0" g="0" b="0"/>
+        </a:lnRef>
+        <a:fillRef idx="0">
+          <a:scrgbClr r="0" g="0" b="0"/>
+        </a:fillRef>
+        <a:effectRef idx="0">
+          <a:scrgbClr r="0" g="0" b="0"/>
+        </a:effectRef>
+        <a:fontRef idx="minor"/>
+      </dsp:style>
+      <dsp:txBody>
+        <a:bodyPr spcFirstLastPara="0" vert="horz" wrap="square" lIns="187222" tIns="187222" rIns="187222" bIns="187222" numCol="1" spcCol="1270" anchor="ctr" anchorCtr="0">
+          <a:noAutofit/>
+        </a:bodyPr>
+        <a:lstStyle/>
+        <a:p>
+          <a:pPr marL="0" lvl="0" indent="0" algn="l" defTabSz="1111250">
+            <a:lnSpc>
+              <a:spcPct val="90000"/>
+            </a:lnSpc>
+            <a:spcBef>
+              <a:spcPct val="0"/>
+            </a:spcBef>
+            <a:spcAft>
+              <a:spcPct val="35000"/>
+            </a:spcAft>
+            <a:buNone/>
+          </a:pPr>
+          <a:r>
+            <a:rPr lang="pt-PT" sz="2500" kern="1200"/>
+            <a:t>Spotlight Movement</a:t>
+          </a:r>
+          <a:endParaRPr lang="en-US" sz="2500" kern="1200"/>
+        </a:p>
+      </dsp:txBody>
+      <dsp:txXfrm>
+        <a:off x="2043221" y="3169499"/>
+        <a:ext cx="4545469" cy="1769022"/>
+      </dsp:txXfrm>
+    </dsp:sp>
+  </dsp:spTree>
+</dsp:drawing>
+</file>
+
 <file path=ppt/diagrams/layout1.xml><?xml version="1.0" encoding="utf-8"?>
 <dgm:layoutDef xmlns:dgm="http://schemas.openxmlformats.org/drawingml/2006/diagram" xmlns:a="http://schemas.openxmlformats.org/drawingml/2006/main" uniqueId="urn:microsoft.com/office/officeart/2018/2/layout/IconVerticalSolidList">
   <dgm:title val="Icon Vertical Solid List"/>
@@ -5459,6 +6789,300 @@
 </dgm:layoutDef>
 </file>
 
+<file path=ppt/diagrams/layout4.xml><?xml version="1.0" encoding="utf-8"?>
+<dgm:layoutDef xmlns:dgm="http://schemas.openxmlformats.org/drawingml/2006/diagram" xmlns:a="http://schemas.openxmlformats.org/drawingml/2006/main" uniqueId="urn:microsoft.com/office/officeart/2018/2/layout/IconVerticalSolidList">
+  <dgm:title val="Icon Vertical Solid List"/>
+  <dgm:desc val="Use to show a series of visuals from top to bottom with Level 1 or Level 1 and Level 2 text grouped in a shape. Works best with icons or small pictures with lengthier descriptions."/>
+  <dgm:catLst>
+    <dgm:cat type="icon" pri="500"/>
+  </dgm:catLst>
+  <dgm:sampData useDef="1">
+    <dgm:dataModel>
+      <dgm:ptLst/>
+      <dgm:bg/>
+      <dgm:whole/>
+    </dgm:dataModel>
+  </dgm:sampData>
+  <dgm:styleData useDef="1">
+    <dgm:dataModel>
+      <dgm:ptLst/>
+      <dgm:bg/>
+      <dgm:whole/>
+    </dgm:dataModel>
+  </dgm:styleData>
+  <dgm:clrData useDef="1">
+    <dgm:dataModel>
+      <dgm:ptLst/>
+      <dgm:bg/>
+      <dgm:whole/>
+    </dgm:dataModel>
+  </dgm:clrData>
+  <dgm:layoutNode name="root">
+    <dgm:varLst>
+      <dgm:dir/>
+      <dgm:resizeHandles val="exact"/>
+    </dgm:varLst>
+    <dgm:choose name="Name0">
+      <dgm:if name="Name1" axis="self" func="var" arg="dir" op="equ" val="norm">
+        <dgm:alg type="lin">
+          <dgm:param type="linDir" val="fromT"/>
+          <dgm:param type="nodeHorzAlign" val="l"/>
+        </dgm:alg>
+      </dgm:if>
+      <dgm:else name="Name2">
+        <dgm:alg type="lin">
+          <dgm:param type="linDir" val="fromT"/>
+          <dgm:param type="nodeHorzAlign" val="r"/>
+        </dgm:alg>
+      </dgm:else>
+    </dgm:choose>
+    <dgm:shape xmlns:r="http://schemas.openxmlformats.org/officeDocument/2006/relationships" r:blip="">
+      <dgm:adjLst/>
+    </dgm:shape>
+    <dgm:presOf/>
+    <dgm:choose name="Name3">
+      <dgm:if name="Name4" axis="ch" ptType="node" func="cnt" op="lte" val="3">
+        <dgm:constrLst>
+          <dgm:constr type="h" for="ch" forName="compNode" refType="h" fact="0.3"/>
+          <dgm:constr type="w" for="ch" forName="compNode" refType="w"/>
+          <dgm:constr type="h" for="ch" forName="sibTrans" refType="h" refFor="ch" refForName="compNode" fact="0.25"/>
+          <dgm:constr type="primFontSz" for="des" forName="parTx" val="25"/>
+          <dgm:constr type="primFontSz" for="des" forName="desTx" refType="primFontSz" refFor="des" refForName="parTx" op="lte" fact="0.75"/>
+          <dgm:constr type="h" for="des" forName="compNode" op="equ"/>
+          <dgm:constr type="h" for="des" forName="bgRect" op="equ"/>
+          <dgm:constr type="h" for="des" forName="iconRect" op="equ"/>
+          <dgm:constr type="w" for="des" forName="iconRect" op="equ"/>
+          <dgm:constr type="h" for="des" forName="spaceRect" op="equ"/>
+          <dgm:constr type="h" for="des" forName="parTx" op="equ"/>
+          <dgm:constr type="h" for="des" forName="desTx" op="equ"/>
+        </dgm:constrLst>
+      </dgm:if>
+      <dgm:if name="Name5" axis="ch" ptType="node" func="cnt" op="lte" val="4">
+        <dgm:constrLst>
+          <dgm:constr type="h" for="ch" forName="compNode" refType="h" fact="0.3"/>
+          <dgm:constr type="w" for="ch" forName="compNode" refType="w"/>
+          <dgm:constr type="h" for="ch" forName="sibTrans" refType="h" refFor="ch" refForName="compNode" fact="0.25"/>
+          <dgm:constr type="primFontSz" for="des" forName="parTx" val="22"/>
+          <dgm:constr type="primFontSz" for="des" forName="desTx" refType="primFontSz" refFor="des" refForName="parTx" op="lte" fact="0.75"/>
+          <dgm:constr type="h" for="des" forName="compNode" op="equ"/>
+          <dgm:constr type="h" for="des" forName="bgRect" op="equ"/>
+          <dgm:constr type="h" for="des" forName="iconRect" op="equ"/>
+          <dgm:constr type="w" for="des" forName="iconRect" op="equ"/>
+          <dgm:constr type="h" for="des" forName="spaceRect" op="equ"/>
+          <dgm:constr type="h" for="des" forName="parTx" op="equ"/>
+          <dgm:constr type="h" for="des" forName="desTx" op="equ"/>
+        </dgm:constrLst>
+      </dgm:if>
+      <dgm:if name="Name6" axis="ch" ptType="node" func="cnt" op="lte" val="6">
+        <dgm:constrLst>
+          <dgm:constr type="h" for="ch" forName="compNode" refType="h" fact="0.3"/>
+          <dgm:constr type="w" for="ch" forName="compNode" refType="w"/>
+          <dgm:constr type="h" for="ch" forName="sibTrans" refType="h" refFor="ch" refForName="compNode" fact="0.25"/>
+          <dgm:constr type="primFontSz" for="des" forName="parTx" val="19"/>
+          <dgm:constr type="primFontSz" for="des" forName="desTx" refType="primFontSz" refFor="des" refForName="parTx" op="lte" fact="0.75"/>
+          <dgm:constr type="h" for="des" forName="compNode" op="equ"/>
+          <dgm:constr type="h" for="des" forName="bgRect" op="equ"/>
+          <dgm:constr type="h" for="des" forName="iconRect" op="equ"/>
+          <dgm:constr type="w" for="des" forName="iconRect" op="equ"/>
+          <dgm:constr type="h" for="des" forName="spaceRect" op="equ"/>
+          <dgm:constr type="h" for="des" forName="parTx" op="equ"/>
+          <dgm:constr type="h" for="des" forName="desTx" op="equ"/>
+        </dgm:constrLst>
+      </dgm:if>
+      <dgm:else name="Name7">
+        <dgm:constrLst>
+          <dgm:constr type="h" for="ch" forName="compNode" refType="h" fact="0.3"/>
+          <dgm:constr type="w" for="ch" forName="compNode" refType="w"/>
+          <dgm:constr type="h" for="ch" forName="sibTrans" refType="h" refFor="ch" refForName="compNode" fact="0.25"/>
+          <dgm:constr type="primFontSz" for="des" forName="parTx" val="16"/>
+          <dgm:constr type="primFontSz" for="des" forName="desTx" refType="primFontSz" refFor="des" refForName="parTx" op="lte" fact="0.75"/>
+          <dgm:constr type="h" for="des" forName="compNode" op="equ"/>
+          <dgm:constr type="h" for="des" forName="bgRect" op="equ"/>
+          <dgm:constr type="h" for="des" forName="iconRect" op="equ"/>
+          <dgm:constr type="w" for="des" forName="iconRect" op="equ"/>
+          <dgm:constr type="h" for="des" forName="spaceRect" op="equ"/>
+          <dgm:constr type="h" for="des" forName="parTx" op="equ"/>
+          <dgm:constr type="h" for="des" forName="desTx" op="equ"/>
+        </dgm:constrLst>
+      </dgm:else>
+    </dgm:choose>
+    <dgm:ruleLst>
+      <dgm:rule type="h" for="ch" forName="compNode" val="0" fact="NaN" max="NaN"/>
+    </dgm:ruleLst>
+    <dgm:forEach name="Name8" axis="ch" ptType="node">
+      <dgm:layoutNode name="compNode">
+        <dgm:alg type="composite"/>
+        <dgm:shape xmlns:r="http://schemas.openxmlformats.org/officeDocument/2006/relationships" r:blip="">
+          <dgm:adjLst/>
+        </dgm:shape>
+        <dgm:presOf axis="self"/>
+        <dgm:choose name="Name9">
+          <dgm:if name="Name10" axis="ch" ptType="node" func="cnt" op="gte" val="1">
+            <dgm:constrLst>
+              <dgm:constr type="w" for="ch" forName="bgRect" refType="w"/>
+              <dgm:constr type="h" for="ch" forName="bgRect" refType="h"/>
+              <dgm:constr type="l" for="ch" forName="bgRect"/>
+              <dgm:constr type="t" for="ch" forName="bgRect"/>
+              <dgm:constr type="h" for="ch" forName="iconRect" refType="h" fact="0.55"/>
+              <dgm:constr type="w" for="ch" forName="iconRect" refType="h" refFor="ch" refForName="iconRect"/>
+              <dgm:constr type="l" for="ch" forName="iconRect" refType="h" refFor="ch" refForName="iconRect" fact="0.55"/>
+              <dgm:constr type="ctrY" for="ch" forName="iconRect" refType="ctrY" refFor="ch" refForName="bgRect"/>
+              <dgm:constr type="w" for="ch" forName="spaceRect" refType="l" refFor="ch" refForName="iconRect"/>
+              <dgm:constr type="h" for="ch" forName="spaceRect" refType="h"/>
+              <dgm:constr type="l" for="ch" forName="spaceRect" refType="r" refFor="ch" refForName="iconRect"/>
+              <dgm:constr type="t" for="ch" forName="spaceRect"/>
+              <dgm:constr type="w" for="ch" forName="parTx" refType="w" fact="0.45"/>
+              <dgm:constr type="h" for="ch" forName="parTx" refType="h"/>
+              <dgm:constr type="l" for="ch" forName="parTx" refType="r" refFor="ch" refForName="spaceRect"/>
+              <dgm:constr type="t" for="ch" forName="parTx"/>
+              <dgm:constr type="h" for="ch" forName="desTx" refType="h"/>
+              <dgm:constr type="l" for="ch" forName="desTx" refType="r" refFor="ch" refForName="parTx"/>
+              <dgm:constr type="t" for="ch" forName="desTx"/>
+            </dgm:constrLst>
+          </dgm:if>
+          <dgm:else name="Name11">
+            <dgm:constrLst>
+              <dgm:constr type="w" for="ch" forName="bgRect" refType="w"/>
+              <dgm:constr type="h" for="ch" forName="bgRect" refType="h"/>
+              <dgm:constr type="l" for="ch" forName="bgRect"/>
+              <dgm:constr type="t" for="ch" forName="bgRect"/>
+              <dgm:constr type="h" for="ch" forName="iconRect" refType="h" fact="0.55"/>
+              <dgm:constr type="w" for="ch" forName="iconRect" refType="h" refFor="ch" refForName="iconRect"/>
+              <dgm:constr type="l" for="ch" forName="iconRect" refType="h" refFor="ch" refForName="iconRect" fact="0.55"/>
+              <dgm:constr type="ctrY" for="ch" forName="iconRect" refType="ctrY" refFor="ch" refForName="bgRect"/>
+              <dgm:constr type="w" for="ch" forName="spaceRect" refType="l" refFor="ch" refForName="iconRect"/>
+              <dgm:constr type="h" for="ch" forName="spaceRect" refType="h"/>
+              <dgm:constr type="l" for="ch" forName="spaceRect" refType="r" refFor="ch" refForName="iconRect"/>
+              <dgm:constr type="t" for="ch" forName="spaceRect"/>
+              <dgm:constr type="h" for="ch" forName="parTx" refType="h"/>
+              <dgm:constr type="l" for="ch" forName="parTx" refType="r" refFor="ch" refForName="spaceRect"/>
+              <dgm:constr type="t" for="ch" forName="parTx"/>
+            </dgm:constrLst>
+          </dgm:else>
+        </dgm:choose>
+        <dgm:ruleLst>
+          <dgm:rule type="h" val="INF" fact="NaN" max="NaN"/>
+        </dgm:ruleLst>
+        <dgm:layoutNode name="bgRect" styleLbl="bgShp">
+          <dgm:alg type="sp"/>
+          <dgm:shape xmlns:r="http://schemas.openxmlformats.org/officeDocument/2006/relationships" type="roundRect" r:blip="">
+            <dgm:adjLst>
+              <dgm:adj idx="1" val="0.1"/>
+            </dgm:adjLst>
+          </dgm:shape>
+          <dgm:presOf/>
+          <dgm:constrLst/>
+          <dgm:ruleLst/>
+        </dgm:layoutNode>
+        <dgm:layoutNode name="iconRect" styleLbl="node1">
+          <dgm:alg type="sp"/>
+          <dgm:shape xmlns:r="http://schemas.openxmlformats.org/officeDocument/2006/relationships" type="rect" r:blip="" blipPhldr="1">
+            <dgm:adjLst/>
+          </dgm:shape>
+          <dgm:presOf/>
+          <dgm:constrLst/>
+          <dgm:ruleLst/>
+        </dgm:layoutNode>
+        <dgm:layoutNode name="spaceRect">
+          <dgm:alg type="sp"/>
+          <dgm:shape xmlns:r="http://schemas.openxmlformats.org/officeDocument/2006/relationships" r:blip="">
+            <dgm:adjLst/>
+          </dgm:shape>
+          <dgm:presOf/>
+          <dgm:constrLst/>
+          <dgm:ruleLst/>
+        </dgm:layoutNode>
+        <dgm:layoutNode name="parTx" styleLbl="revTx">
+          <dgm:varLst>
+            <dgm:chMax val="0"/>
+            <dgm:chPref val="0"/>
+          </dgm:varLst>
+          <dgm:alg type="tx">
+            <dgm:param type="txAnchorVert" val="mid"/>
+            <dgm:param type="parTxLTRAlign" val="l"/>
+            <dgm:param type="shpTxLTRAlignCh" val="l"/>
+            <dgm:param type="parTxRTLAlign" val="r"/>
+            <dgm:param type="shpTxRTLAlignCh" val="r"/>
+          </dgm:alg>
+          <dgm:shape xmlns:r="http://schemas.openxmlformats.org/officeDocument/2006/relationships" type="rect" r:blip="">
+            <dgm:adjLst/>
+          </dgm:shape>
+          <dgm:presOf axis="self" ptType="node"/>
+          <dgm:constrLst>
+            <dgm:constr type="lMarg" refType="h" fact="0.3"/>
+            <dgm:constr type="rMarg" refType="h" fact="0.3"/>
+            <dgm:constr type="tMarg" refType="h" fact="0.3"/>
+            <dgm:constr type="bMarg" refType="h" fact="0.3"/>
+          </dgm:constrLst>
+          <dgm:ruleLst>
+            <dgm:rule type="primFontSz" val="14" fact="NaN" max="NaN"/>
+            <dgm:rule type="h" val="INF" fact="NaN" max="NaN"/>
+          </dgm:ruleLst>
+        </dgm:layoutNode>
+        <dgm:choose name="Name12">
+          <dgm:if name="Name13" axis="ch" ptType="node" func="cnt" op="gte" val="1">
+            <dgm:layoutNode name="desTx" styleLbl="revTx">
+              <dgm:varLst/>
+              <dgm:alg type="tx">
+                <dgm:param type="txAnchorVertCh" val="mid"/>
+                <dgm:param type="parTxLTRAlign" val="l"/>
+                <dgm:param type="shpTxLTRAlignCh" val="l"/>
+                <dgm:param type="parTxRTLAlign" val="r"/>
+                <dgm:param type="shpTxRTLAlignCh" val="r"/>
+                <dgm:param type="stBulletLvl" val="0"/>
+              </dgm:alg>
+              <dgm:shape xmlns:r="http://schemas.openxmlformats.org/officeDocument/2006/relationships" type="rect" r:blip="">
+                <dgm:adjLst/>
+              </dgm:shape>
+              <dgm:presOf axis="des" ptType="node"/>
+              <dgm:constrLst>
+                <dgm:constr type="primFontSz" val="18"/>
+                <dgm:constr type="secFontSz" refType="primFontSz"/>
+                <dgm:constr type="lMarg" refType="h" fact="0.3"/>
+                <dgm:constr type="rMarg" refType="h" fact="0.3"/>
+                <dgm:constr type="tMarg" refType="h" fact="0.3"/>
+                <dgm:constr type="bMarg" refType="h" fact="0.3"/>
+              </dgm:constrLst>
+              <dgm:ruleLst>
+                <dgm:rule type="primFontSz" val="11" fact="NaN" max="NaN"/>
+              </dgm:ruleLst>
+            </dgm:layoutNode>
+          </dgm:if>
+          <dgm:else name="Name14"/>
+        </dgm:choose>
+      </dgm:layoutNode>
+      <dgm:forEach name="Name15" axis="followSib" ptType="sibTrans" cnt="1">
+        <dgm:layoutNode name="sibTrans">
+          <dgm:alg type="sp"/>
+          <dgm:shape xmlns:r="http://schemas.openxmlformats.org/officeDocument/2006/relationships" r:blip="">
+            <dgm:adjLst/>
+          </dgm:shape>
+          <dgm:presOf axis="self"/>
+          <dgm:constrLst/>
+          <dgm:ruleLst/>
+        </dgm:layoutNode>
+      </dgm:forEach>
+    </dgm:forEach>
+  </dgm:layoutNode>
+  <dgm:extLst>
+    <a:ext uri="{68A01E43-0DF5-4B5B-8FA6-DAF915123BFB}">
+      <dgm1612:lstStyle xmlns:dgm1612="http://schemas.microsoft.com/office/drawing/2016/12/diagram">
+        <a:lvl1pPr>
+          <a:lnSpc>
+            <a:spcPct val="100000"/>
+          </a:lnSpc>
+        </a:lvl1pPr>
+        <a:lvl2pPr>
+          <a:lnSpc>
+            <a:spcPct val="100000"/>
+          </a:lnSpc>
+        </a:lvl2pPr>
+      </dgm1612:lstStyle>
+    </a:ext>
+  </dgm:extLst>
+</dgm:layoutDef>
+</file>
+
 <file path=ppt/diagrams/quickStyle1.xml><?xml version="1.0" encoding="utf-8"?>
 <dgm:styleDef xmlns:dgm="http://schemas.openxmlformats.org/drawingml/2006/diagram" xmlns:a="http://schemas.openxmlformats.org/drawingml/2006/main" uniqueId="urn:microsoft.com/office/officeart/2005/8/quickstyle/simple1">
   <dgm:title val=""/>
@@ -8533,6 +10157,1040 @@
         <a:scrgbClr r="0" g="0" b="0"/>
       </a:fillRef>
       <a:effectRef idx="2">
+        <a:scrgbClr r="0" g="0" b="0"/>
+      </a:effectRef>
+      <a:fontRef idx="minor"/>
+    </dgm:style>
+  </dgm:styleLbl>
+  <dgm:styleLbl name="revTx">
+    <dgm:scene3d>
+      <a:camera prst="orthographicFront"/>
+      <a:lightRig rig="threePt" dir="t"/>
+    </dgm:scene3d>
+    <dgm:sp3d/>
+    <dgm:txPr/>
+    <dgm:style>
+      <a:lnRef idx="0">
+        <a:scrgbClr r="0" g="0" b="0"/>
+      </a:lnRef>
+      <a:fillRef idx="0">
+        <a:scrgbClr r="0" g="0" b="0"/>
+      </a:fillRef>
+      <a:effectRef idx="0">
+        <a:scrgbClr r="0" g="0" b="0"/>
+      </a:effectRef>
+      <a:fontRef idx="minor"/>
+    </dgm:style>
+  </dgm:styleLbl>
+</dgm:styleDef>
+</file>
+
+<file path=ppt/diagrams/quickStyle4.xml><?xml version="1.0" encoding="utf-8"?>
+<dgm:styleDef xmlns:dgm="http://schemas.openxmlformats.org/drawingml/2006/diagram" xmlns:a="http://schemas.openxmlformats.org/drawingml/2006/main" uniqueId="urn:microsoft.com/office/officeart/2005/8/quickstyle/simple1">
+  <dgm:title val=""/>
+  <dgm:desc val=""/>
+  <dgm:catLst>
+    <dgm:cat type="simple" pri="10100"/>
+  </dgm:catLst>
+  <dgm:scene3d>
+    <a:camera prst="orthographicFront"/>
+    <a:lightRig rig="threePt" dir="t"/>
+  </dgm:scene3d>
+  <dgm:styleLbl name="node0">
+    <dgm:scene3d>
+      <a:camera prst="orthographicFront"/>
+      <a:lightRig rig="threePt" dir="t"/>
+    </dgm:scene3d>
+    <dgm:sp3d/>
+    <dgm:txPr/>
+    <dgm:style>
+      <a:lnRef idx="2">
+        <a:scrgbClr r="0" g="0" b="0"/>
+      </a:lnRef>
+      <a:fillRef idx="1">
+        <a:scrgbClr r="0" g="0" b="0"/>
+      </a:fillRef>
+      <a:effectRef idx="0">
+        <a:scrgbClr r="0" g="0" b="0"/>
+      </a:effectRef>
+      <a:fontRef idx="minor">
+        <a:schemeClr val="lt1"/>
+      </a:fontRef>
+    </dgm:style>
+  </dgm:styleLbl>
+  <dgm:styleLbl name="lnNode1">
+    <dgm:scene3d>
+      <a:camera prst="orthographicFront"/>
+      <a:lightRig rig="threePt" dir="t"/>
+    </dgm:scene3d>
+    <dgm:sp3d/>
+    <dgm:txPr/>
+    <dgm:style>
+      <a:lnRef idx="2">
+        <a:scrgbClr r="0" g="0" b="0"/>
+      </a:lnRef>
+      <a:fillRef idx="1">
+        <a:scrgbClr r="0" g="0" b="0"/>
+      </a:fillRef>
+      <a:effectRef idx="0">
+        <a:scrgbClr r="0" g="0" b="0"/>
+      </a:effectRef>
+      <a:fontRef idx="minor">
+        <a:schemeClr val="lt1"/>
+      </a:fontRef>
+    </dgm:style>
+  </dgm:styleLbl>
+  <dgm:styleLbl name="vennNode1">
+    <dgm:scene3d>
+      <a:camera prst="orthographicFront"/>
+      <a:lightRig rig="threePt" dir="t"/>
+    </dgm:scene3d>
+    <dgm:sp3d/>
+    <dgm:txPr/>
+    <dgm:style>
+      <a:lnRef idx="2">
+        <a:scrgbClr r="0" g="0" b="0"/>
+      </a:lnRef>
+      <a:fillRef idx="1">
+        <a:scrgbClr r="0" g="0" b="0"/>
+      </a:fillRef>
+      <a:effectRef idx="0">
+        <a:scrgbClr r="0" g="0" b="0"/>
+      </a:effectRef>
+      <a:fontRef idx="minor">
+        <a:schemeClr val="tx1"/>
+      </a:fontRef>
+    </dgm:style>
+  </dgm:styleLbl>
+  <dgm:styleLbl name="alignNode1">
+    <dgm:scene3d>
+      <a:camera prst="orthographicFront"/>
+      <a:lightRig rig="threePt" dir="t"/>
+    </dgm:scene3d>
+    <dgm:sp3d/>
+    <dgm:txPr/>
+    <dgm:style>
+      <a:lnRef idx="2">
+        <a:scrgbClr r="0" g="0" b="0"/>
+      </a:lnRef>
+      <a:fillRef idx="1">
+        <a:scrgbClr r="0" g="0" b="0"/>
+      </a:fillRef>
+      <a:effectRef idx="0">
+        <a:scrgbClr r="0" g="0" b="0"/>
+      </a:effectRef>
+      <a:fontRef idx="minor">
+        <a:schemeClr val="lt1"/>
+      </a:fontRef>
+    </dgm:style>
+  </dgm:styleLbl>
+  <dgm:styleLbl name="node1">
+    <dgm:scene3d>
+      <a:camera prst="orthographicFront"/>
+      <a:lightRig rig="threePt" dir="t"/>
+    </dgm:scene3d>
+    <dgm:sp3d/>
+    <dgm:txPr/>
+    <dgm:style>
+      <a:lnRef idx="2">
+        <a:scrgbClr r="0" g="0" b="0"/>
+      </a:lnRef>
+      <a:fillRef idx="1">
+        <a:scrgbClr r="0" g="0" b="0"/>
+      </a:fillRef>
+      <a:effectRef idx="0">
+        <a:scrgbClr r="0" g="0" b="0"/>
+      </a:effectRef>
+      <a:fontRef idx="minor">
+        <a:schemeClr val="lt1"/>
+      </a:fontRef>
+    </dgm:style>
+  </dgm:styleLbl>
+  <dgm:styleLbl name="node2">
+    <dgm:scene3d>
+      <a:camera prst="orthographicFront"/>
+      <a:lightRig rig="threePt" dir="t"/>
+    </dgm:scene3d>
+    <dgm:sp3d/>
+    <dgm:txPr/>
+    <dgm:style>
+      <a:lnRef idx="2">
+        <a:scrgbClr r="0" g="0" b="0"/>
+      </a:lnRef>
+      <a:fillRef idx="1">
+        <a:scrgbClr r="0" g="0" b="0"/>
+      </a:fillRef>
+      <a:effectRef idx="0">
+        <a:scrgbClr r="0" g="0" b="0"/>
+      </a:effectRef>
+      <a:fontRef idx="minor">
+        <a:schemeClr val="lt1"/>
+      </a:fontRef>
+    </dgm:style>
+  </dgm:styleLbl>
+  <dgm:styleLbl name="node3">
+    <dgm:scene3d>
+      <a:camera prst="orthographicFront"/>
+      <a:lightRig rig="threePt" dir="t"/>
+    </dgm:scene3d>
+    <dgm:sp3d/>
+    <dgm:txPr/>
+    <dgm:style>
+      <a:lnRef idx="2">
+        <a:scrgbClr r="0" g="0" b="0"/>
+      </a:lnRef>
+      <a:fillRef idx="1">
+        <a:scrgbClr r="0" g="0" b="0"/>
+      </a:fillRef>
+      <a:effectRef idx="0">
+        <a:scrgbClr r="0" g="0" b="0"/>
+      </a:effectRef>
+      <a:fontRef idx="minor">
+        <a:schemeClr val="lt1"/>
+      </a:fontRef>
+    </dgm:style>
+  </dgm:styleLbl>
+  <dgm:styleLbl name="node4">
+    <dgm:scene3d>
+      <a:camera prst="orthographicFront"/>
+      <a:lightRig rig="threePt" dir="t"/>
+    </dgm:scene3d>
+    <dgm:sp3d/>
+    <dgm:txPr/>
+    <dgm:style>
+      <a:lnRef idx="2">
+        <a:scrgbClr r="0" g="0" b="0"/>
+      </a:lnRef>
+      <a:fillRef idx="1">
+        <a:scrgbClr r="0" g="0" b="0"/>
+      </a:fillRef>
+      <a:effectRef idx="0">
+        <a:scrgbClr r="0" g="0" b="0"/>
+      </a:effectRef>
+      <a:fontRef idx="minor">
+        <a:schemeClr val="lt1"/>
+      </a:fontRef>
+    </dgm:style>
+  </dgm:styleLbl>
+  <dgm:styleLbl name="fgImgPlace1">
+    <dgm:scene3d>
+      <a:camera prst="orthographicFront"/>
+      <a:lightRig rig="threePt" dir="t"/>
+    </dgm:scene3d>
+    <dgm:sp3d/>
+    <dgm:txPr/>
+    <dgm:style>
+      <a:lnRef idx="2">
+        <a:scrgbClr r="0" g="0" b="0"/>
+      </a:lnRef>
+      <a:fillRef idx="1">
+        <a:scrgbClr r="0" g="0" b="0"/>
+      </a:fillRef>
+      <a:effectRef idx="0">
+        <a:scrgbClr r="0" g="0" b="0"/>
+      </a:effectRef>
+      <a:fontRef idx="minor"/>
+    </dgm:style>
+  </dgm:styleLbl>
+  <dgm:styleLbl name="alignImgPlace1">
+    <dgm:scene3d>
+      <a:camera prst="orthographicFront"/>
+      <a:lightRig rig="threePt" dir="t"/>
+    </dgm:scene3d>
+    <dgm:sp3d/>
+    <dgm:txPr/>
+    <dgm:style>
+      <a:lnRef idx="2">
+        <a:scrgbClr r="0" g="0" b="0"/>
+      </a:lnRef>
+      <a:fillRef idx="1">
+        <a:scrgbClr r="0" g="0" b="0"/>
+      </a:fillRef>
+      <a:effectRef idx="0">
+        <a:scrgbClr r="0" g="0" b="0"/>
+      </a:effectRef>
+      <a:fontRef idx="minor"/>
+    </dgm:style>
+  </dgm:styleLbl>
+  <dgm:styleLbl name="bgImgPlace1">
+    <dgm:scene3d>
+      <a:camera prst="orthographicFront"/>
+      <a:lightRig rig="threePt" dir="t"/>
+    </dgm:scene3d>
+    <dgm:sp3d/>
+    <dgm:txPr/>
+    <dgm:style>
+      <a:lnRef idx="2">
+        <a:scrgbClr r="0" g="0" b="0"/>
+      </a:lnRef>
+      <a:fillRef idx="1">
+        <a:scrgbClr r="0" g="0" b="0"/>
+      </a:fillRef>
+      <a:effectRef idx="0">
+        <a:scrgbClr r="0" g="0" b="0"/>
+      </a:effectRef>
+      <a:fontRef idx="minor"/>
+    </dgm:style>
+  </dgm:styleLbl>
+  <dgm:styleLbl name="sibTrans2D1">
+    <dgm:scene3d>
+      <a:camera prst="orthographicFront"/>
+      <a:lightRig rig="threePt" dir="t"/>
+    </dgm:scene3d>
+    <dgm:sp3d/>
+    <dgm:txPr/>
+    <dgm:style>
+      <a:lnRef idx="0">
+        <a:scrgbClr r="0" g="0" b="0"/>
+      </a:lnRef>
+      <a:fillRef idx="1">
+        <a:scrgbClr r="0" g="0" b="0"/>
+      </a:fillRef>
+      <a:effectRef idx="0">
+        <a:scrgbClr r="0" g="0" b="0"/>
+      </a:effectRef>
+      <a:fontRef idx="minor">
+        <a:schemeClr val="lt1"/>
+      </a:fontRef>
+    </dgm:style>
+  </dgm:styleLbl>
+  <dgm:styleLbl name="fgSibTrans2D1">
+    <dgm:scene3d>
+      <a:camera prst="orthographicFront"/>
+      <a:lightRig rig="threePt" dir="t"/>
+    </dgm:scene3d>
+    <dgm:sp3d/>
+    <dgm:txPr/>
+    <dgm:style>
+      <a:lnRef idx="0">
+        <a:scrgbClr r="0" g="0" b="0"/>
+      </a:lnRef>
+      <a:fillRef idx="1">
+        <a:scrgbClr r="0" g="0" b="0"/>
+      </a:fillRef>
+      <a:effectRef idx="0">
+        <a:scrgbClr r="0" g="0" b="0"/>
+      </a:effectRef>
+      <a:fontRef idx="minor">
+        <a:schemeClr val="lt1"/>
+      </a:fontRef>
+    </dgm:style>
+  </dgm:styleLbl>
+  <dgm:styleLbl name="bgSibTrans2D1">
+    <dgm:scene3d>
+      <a:camera prst="orthographicFront"/>
+      <a:lightRig rig="threePt" dir="t"/>
+    </dgm:scene3d>
+    <dgm:sp3d/>
+    <dgm:txPr/>
+    <dgm:style>
+      <a:lnRef idx="0">
+        <a:scrgbClr r="0" g="0" b="0"/>
+      </a:lnRef>
+      <a:fillRef idx="1">
+        <a:scrgbClr r="0" g="0" b="0"/>
+      </a:fillRef>
+      <a:effectRef idx="0">
+        <a:scrgbClr r="0" g="0" b="0"/>
+      </a:effectRef>
+      <a:fontRef idx="minor">
+        <a:schemeClr val="lt1"/>
+      </a:fontRef>
+    </dgm:style>
+  </dgm:styleLbl>
+  <dgm:styleLbl name="sibTrans1D1">
+    <dgm:scene3d>
+      <a:camera prst="orthographicFront"/>
+      <a:lightRig rig="threePt" dir="t"/>
+    </dgm:scene3d>
+    <dgm:sp3d/>
+    <dgm:txPr/>
+    <dgm:style>
+      <a:lnRef idx="1">
+        <a:scrgbClr r="0" g="0" b="0"/>
+      </a:lnRef>
+      <a:fillRef idx="0">
+        <a:scrgbClr r="0" g="0" b="0"/>
+      </a:fillRef>
+      <a:effectRef idx="0">
+        <a:scrgbClr r="0" g="0" b="0"/>
+      </a:effectRef>
+      <a:fontRef idx="minor"/>
+    </dgm:style>
+  </dgm:styleLbl>
+  <dgm:styleLbl name="callout">
+    <dgm:scene3d>
+      <a:camera prst="orthographicFront"/>
+      <a:lightRig rig="threePt" dir="t"/>
+    </dgm:scene3d>
+    <dgm:sp3d/>
+    <dgm:txPr/>
+    <dgm:style>
+      <a:lnRef idx="2">
+        <a:scrgbClr r="0" g="0" b="0"/>
+      </a:lnRef>
+      <a:fillRef idx="1">
+        <a:scrgbClr r="0" g="0" b="0"/>
+      </a:fillRef>
+      <a:effectRef idx="0">
+        <a:scrgbClr r="0" g="0" b="0"/>
+      </a:effectRef>
+      <a:fontRef idx="minor"/>
+    </dgm:style>
+  </dgm:styleLbl>
+  <dgm:styleLbl name="asst0">
+    <dgm:scene3d>
+      <a:camera prst="orthographicFront"/>
+      <a:lightRig rig="threePt" dir="t"/>
+    </dgm:scene3d>
+    <dgm:sp3d/>
+    <dgm:txPr/>
+    <dgm:style>
+      <a:lnRef idx="2">
+        <a:scrgbClr r="0" g="0" b="0"/>
+      </a:lnRef>
+      <a:fillRef idx="1">
+        <a:scrgbClr r="0" g="0" b="0"/>
+      </a:fillRef>
+      <a:effectRef idx="0">
+        <a:scrgbClr r="0" g="0" b="0"/>
+      </a:effectRef>
+      <a:fontRef idx="minor">
+        <a:schemeClr val="lt1"/>
+      </a:fontRef>
+    </dgm:style>
+  </dgm:styleLbl>
+  <dgm:styleLbl name="asst1">
+    <dgm:scene3d>
+      <a:camera prst="orthographicFront"/>
+      <a:lightRig rig="threePt" dir="t"/>
+    </dgm:scene3d>
+    <dgm:sp3d/>
+    <dgm:txPr/>
+    <dgm:style>
+      <a:lnRef idx="2">
+        <a:scrgbClr r="0" g="0" b="0"/>
+      </a:lnRef>
+      <a:fillRef idx="1">
+        <a:scrgbClr r="0" g="0" b="0"/>
+      </a:fillRef>
+      <a:effectRef idx="0">
+        <a:scrgbClr r="0" g="0" b="0"/>
+      </a:effectRef>
+      <a:fontRef idx="minor">
+        <a:schemeClr val="lt1"/>
+      </a:fontRef>
+    </dgm:style>
+  </dgm:styleLbl>
+  <dgm:styleLbl name="asst2">
+    <dgm:scene3d>
+      <a:camera prst="orthographicFront"/>
+      <a:lightRig rig="threePt" dir="t"/>
+    </dgm:scene3d>
+    <dgm:sp3d/>
+    <dgm:txPr/>
+    <dgm:style>
+      <a:lnRef idx="2">
+        <a:scrgbClr r="0" g="0" b="0"/>
+      </a:lnRef>
+      <a:fillRef idx="1">
+        <a:scrgbClr r="0" g="0" b="0"/>
+      </a:fillRef>
+      <a:effectRef idx="0">
+        <a:scrgbClr r="0" g="0" b="0"/>
+      </a:effectRef>
+      <a:fontRef idx="minor">
+        <a:schemeClr val="lt1"/>
+      </a:fontRef>
+    </dgm:style>
+  </dgm:styleLbl>
+  <dgm:styleLbl name="asst3">
+    <dgm:scene3d>
+      <a:camera prst="orthographicFront"/>
+      <a:lightRig rig="threePt" dir="t"/>
+    </dgm:scene3d>
+    <dgm:sp3d/>
+    <dgm:txPr/>
+    <dgm:style>
+      <a:lnRef idx="2">
+        <a:scrgbClr r="0" g="0" b="0"/>
+      </a:lnRef>
+      <a:fillRef idx="1">
+        <a:scrgbClr r="0" g="0" b="0"/>
+      </a:fillRef>
+      <a:effectRef idx="0">
+        <a:scrgbClr r="0" g="0" b="0"/>
+      </a:effectRef>
+      <a:fontRef idx="minor">
+        <a:schemeClr val="lt1"/>
+      </a:fontRef>
+    </dgm:style>
+  </dgm:styleLbl>
+  <dgm:styleLbl name="asst4">
+    <dgm:scene3d>
+      <a:camera prst="orthographicFront"/>
+      <a:lightRig rig="threePt" dir="t"/>
+    </dgm:scene3d>
+    <dgm:sp3d/>
+    <dgm:txPr/>
+    <dgm:style>
+      <a:lnRef idx="2">
+        <a:scrgbClr r="0" g="0" b="0"/>
+      </a:lnRef>
+      <a:fillRef idx="1">
+        <a:scrgbClr r="0" g="0" b="0"/>
+      </a:fillRef>
+      <a:effectRef idx="0">
+        <a:scrgbClr r="0" g="0" b="0"/>
+      </a:effectRef>
+      <a:fontRef idx="minor">
+        <a:schemeClr val="lt1"/>
+      </a:fontRef>
+    </dgm:style>
+  </dgm:styleLbl>
+  <dgm:styleLbl name="parChTrans2D1">
+    <dgm:scene3d>
+      <a:camera prst="orthographicFront"/>
+      <a:lightRig rig="threePt" dir="t"/>
+    </dgm:scene3d>
+    <dgm:sp3d/>
+    <dgm:txPr/>
+    <dgm:style>
+      <a:lnRef idx="2">
+        <a:scrgbClr r="0" g="0" b="0"/>
+      </a:lnRef>
+      <a:fillRef idx="1">
+        <a:scrgbClr r="0" g="0" b="0"/>
+      </a:fillRef>
+      <a:effectRef idx="0">
+        <a:scrgbClr r="0" g="0" b="0"/>
+      </a:effectRef>
+      <a:fontRef idx="minor">
+        <a:schemeClr val="lt1"/>
+      </a:fontRef>
+    </dgm:style>
+  </dgm:styleLbl>
+  <dgm:styleLbl name="parChTrans2D2">
+    <dgm:scene3d>
+      <a:camera prst="orthographicFront"/>
+      <a:lightRig rig="threePt" dir="t"/>
+    </dgm:scene3d>
+    <dgm:sp3d/>
+    <dgm:txPr/>
+    <dgm:style>
+      <a:lnRef idx="2">
+        <a:scrgbClr r="0" g="0" b="0"/>
+      </a:lnRef>
+      <a:fillRef idx="1">
+        <a:scrgbClr r="0" g="0" b="0"/>
+      </a:fillRef>
+      <a:effectRef idx="0">
+        <a:scrgbClr r="0" g="0" b="0"/>
+      </a:effectRef>
+      <a:fontRef idx="minor">
+        <a:schemeClr val="lt1"/>
+      </a:fontRef>
+    </dgm:style>
+  </dgm:styleLbl>
+  <dgm:styleLbl name="parChTrans2D3">
+    <dgm:scene3d>
+      <a:camera prst="orthographicFront"/>
+      <a:lightRig rig="threePt" dir="t"/>
+    </dgm:scene3d>
+    <dgm:sp3d/>
+    <dgm:txPr/>
+    <dgm:style>
+      <a:lnRef idx="2">
+        <a:scrgbClr r="0" g="0" b="0"/>
+      </a:lnRef>
+      <a:fillRef idx="1">
+        <a:scrgbClr r="0" g="0" b="0"/>
+      </a:fillRef>
+      <a:effectRef idx="0">
+        <a:scrgbClr r="0" g="0" b="0"/>
+      </a:effectRef>
+      <a:fontRef idx="minor">
+        <a:schemeClr val="lt1"/>
+      </a:fontRef>
+    </dgm:style>
+  </dgm:styleLbl>
+  <dgm:styleLbl name="parChTrans2D4">
+    <dgm:scene3d>
+      <a:camera prst="orthographicFront"/>
+      <a:lightRig rig="threePt" dir="t"/>
+    </dgm:scene3d>
+    <dgm:sp3d/>
+    <dgm:txPr/>
+    <dgm:style>
+      <a:lnRef idx="2">
+        <a:scrgbClr r="0" g="0" b="0"/>
+      </a:lnRef>
+      <a:fillRef idx="1">
+        <a:scrgbClr r="0" g="0" b="0"/>
+      </a:fillRef>
+      <a:effectRef idx="0">
+        <a:scrgbClr r="0" g="0" b="0"/>
+      </a:effectRef>
+      <a:fontRef idx="minor">
+        <a:schemeClr val="lt1"/>
+      </a:fontRef>
+    </dgm:style>
+  </dgm:styleLbl>
+  <dgm:styleLbl name="parChTrans1D1">
+    <dgm:scene3d>
+      <a:camera prst="orthographicFront"/>
+      <a:lightRig rig="threePt" dir="t"/>
+    </dgm:scene3d>
+    <dgm:sp3d/>
+    <dgm:txPr/>
+    <dgm:style>
+      <a:lnRef idx="2">
+        <a:scrgbClr r="0" g="0" b="0"/>
+      </a:lnRef>
+      <a:fillRef idx="0">
+        <a:scrgbClr r="0" g="0" b="0"/>
+      </a:fillRef>
+      <a:effectRef idx="0">
+        <a:scrgbClr r="0" g="0" b="0"/>
+      </a:effectRef>
+      <a:fontRef idx="minor"/>
+    </dgm:style>
+  </dgm:styleLbl>
+  <dgm:styleLbl name="parChTrans1D2">
+    <dgm:scene3d>
+      <a:camera prst="orthographicFront"/>
+      <a:lightRig rig="threePt" dir="t"/>
+    </dgm:scene3d>
+    <dgm:sp3d/>
+    <dgm:txPr/>
+    <dgm:style>
+      <a:lnRef idx="2">
+        <a:scrgbClr r="0" g="0" b="0"/>
+      </a:lnRef>
+      <a:fillRef idx="0">
+        <a:scrgbClr r="0" g="0" b="0"/>
+      </a:fillRef>
+      <a:effectRef idx="0">
+        <a:scrgbClr r="0" g="0" b="0"/>
+      </a:effectRef>
+      <a:fontRef idx="minor"/>
+    </dgm:style>
+  </dgm:styleLbl>
+  <dgm:styleLbl name="parChTrans1D3">
+    <dgm:scene3d>
+      <a:camera prst="orthographicFront"/>
+      <a:lightRig rig="threePt" dir="t"/>
+    </dgm:scene3d>
+    <dgm:sp3d/>
+    <dgm:txPr/>
+    <dgm:style>
+      <a:lnRef idx="2">
+        <a:scrgbClr r="0" g="0" b="0"/>
+      </a:lnRef>
+      <a:fillRef idx="0">
+        <a:scrgbClr r="0" g="0" b="0"/>
+      </a:fillRef>
+      <a:effectRef idx="0">
+        <a:scrgbClr r="0" g="0" b="0"/>
+      </a:effectRef>
+      <a:fontRef idx="minor"/>
+    </dgm:style>
+  </dgm:styleLbl>
+  <dgm:styleLbl name="parChTrans1D4">
+    <dgm:scene3d>
+      <a:camera prst="orthographicFront"/>
+      <a:lightRig rig="threePt" dir="t"/>
+    </dgm:scene3d>
+    <dgm:sp3d/>
+    <dgm:txPr/>
+    <dgm:style>
+      <a:lnRef idx="2">
+        <a:scrgbClr r="0" g="0" b="0"/>
+      </a:lnRef>
+      <a:fillRef idx="0">
+        <a:scrgbClr r="0" g="0" b="0"/>
+      </a:fillRef>
+      <a:effectRef idx="0">
+        <a:scrgbClr r="0" g="0" b="0"/>
+      </a:effectRef>
+      <a:fontRef idx="minor"/>
+    </dgm:style>
+  </dgm:styleLbl>
+  <dgm:styleLbl name="fgAcc1">
+    <dgm:scene3d>
+      <a:camera prst="orthographicFront"/>
+      <a:lightRig rig="threePt" dir="t"/>
+    </dgm:scene3d>
+    <dgm:sp3d/>
+    <dgm:txPr/>
+    <dgm:style>
+      <a:lnRef idx="2">
+        <a:scrgbClr r="0" g="0" b="0"/>
+      </a:lnRef>
+      <a:fillRef idx="1">
+        <a:scrgbClr r="0" g="0" b="0"/>
+      </a:fillRef>
+      <a:effectRef idx="0">
+        <a:scrgbClr r="0" g="0" b="0"/>
+      </a:effectRef>
+      <a:fontRef idx="minor"/>
+    </dgm:style>
+  </dgm:styleLbl>
+  <dgm:styleLbl name="conFgAcc1">
+    <dgm:scene3d>
+      <a:camera prst="orthographicFront"/>
+      <a:lightRig rig="threePt" dir="t"/>
+    </dgm:scene3d>
+    <dgm:sp3d/>
+    <dgm:txPr/>
+    <dgm:style>
+      <a:lnRef idx="2">
+        <a:scrgbClr r="0" g="0" b="0"/>
+      </a:lnRef>
+      <a:fillRef idx="1">
+        <a:scrgbClr r="0" g="0" b="0"/>
+      </a:fillRef>
+      <a:effectRef idx="0">
+        <a:scrgbClr r="0" g="0" b="0"/>
+      </a:effectRef>
+      <a:fontRef idx="minor"/>
+    </dgm:style>
+  </dgm:styleLbl>
+  <dgm:styleLbl name="alignAcc1">
+    <dgm:scene3d>
+      <a:camera prst="orthographicFront"/>
+      <a:lightRig rig="threePt" dir="t"/>
+    </dgm:scene3d>
+    <dgm:sp3d/>
+    <dgm:txPr/>
+    <dgm:style>
+      <a:lnRef idx="2">
+        <a:scrgbClr r="0" g="0" b="0"/>
+      </a:lnRef>
+      <a:fillRef idx="1">
+        <a:scrgbClr r="0" g="0" b="0"/>
+      </a:fillRef>
+      <a:effectRef idx="0">
+        <a:scrgbClr r="0" g="0" b="0"/>
+      </a:effectRef>
+      <a:fontRef idx="minor"/>
+    </dgm:style>
+  </dgm:styleLbl>
+  <dgm:styleLbl name="trAlignAcc1">
+    <dgm:scene3d>
+      <a:camera prst="orthographicFront"/>
+      <a:lightRig rig="threePt" dir="t"/>
+    </dgm:scene3d>
+    <dgm:sp3d/>
+    <dgm:txPr/>
+    <dgm:style>
+      <a:lnRef idx="1">
+        <a:scrgbClr r="0" g="0" b="0"/>
+      </a:lnRef>
+      <a:fillRef idx="1">
+        <a:scrgbClr r="0" g="0" b="0"/>
+      </a:fillRef>
+      <a:effectRef idx="0">
+        <a:scrgbClr r="0" g="0" b="0"/>
+      </a:effectRef>
+      <a:fontRef idx="minor"/>
+    </dgm:style>
+  </dgm:styleLbl>
+  <dgm:styleLbl name="bgAcc1">
+    <dgm:scene3d>
+      <a:camera prst="orthographicFront"/>
+      <a:lightRig rig="threePt" dir="t"/>
+    </dgm:scene3d>
+    <dgm:sp3d/>
+    <dgm:txPr/>
+    <dgm:style>
+      <a:lnRef idx="2">
+        <a:scrgbClr r="0" g="0" b="0"/>
+      </a:lnRef>
+      <a:fillRef idx="1">
+        <a:scrgbClr r="0" g="0" b="0"/>
+      </a:fillRef>
+      <a:effectRef idx="0">
+        <a:scrgbClr r="0" g="0" b="0"/>
+      </a:effectRef>
+      <a:fontRef idx="minor"/>
+    </dgm:style>
+  </dgm:styleLbl>
+  <dgm:styleLbl name="solidFgAcc1">
+    <dgm:scene3d>
+      <a:camera prst="orthographicFront"/>
+      <a:lightRig rig="threePt" dir="t"/>
+    </dgm:scene3d>
+    <dgm:sp3d/>
+    <dgm:txPr/>
+    <dgm:style>
+      <a:lnRef idx="2">
+        <a:scrgbClr r="0" g="0" b="0"/>
+      </a:lnRef>
+      <a:fillRef idx="1">
+        <a:scrgbClr r="0" g="0" b="0"/>
+      </a:fillRef>
+      <a:effectRef idx="0">
+        <a:scrgbClr r="0" g="0" b="0"/>
+      </a:effectRef>
+      <a:fontRef idx="minor"/>
+    </dgm:style>
+  </dgm:styleLbl>
+  <dgm:styleLbl name="solidAlignAcc1">
+    <dgm:scene3d>
+      <a:camera prst="orthographicFront"/>
+      <a:lightRig rig="threePt" dir="t"/>
+    </dgm:scene3d>
+    <dgm:sp3d/>
+    <dgm:txPr/>
+    <dgm:style>
+      <a:lnRef idx="2">
+        <a:scrgbClr r="0" g="0" b="0"/>
+      </a:lnRef>
+      <a:fillRef idx="1">
+        <a:scrgbClr r="0" g="0" b="0"/>
+      </a:fillRef>
+      <a:effectRef idx="0">
+        <a:scrgbClr r="0" g="0" b="0"/>
+      </a:effectRef>
+      <a:fontRef idx="minor"/>
+    </dgm:style>
+  </dgm:styleLbl>
+  <dgm:styleLbl name="solidBgAcc1">
+    <dgm:scene3d>
+      <a:camera prst="orthographicFront"/>
+      <a:lightRig rig="threePt" dir="t"/>
+    </dgm:scene3d>
+    <dgm:sp3d/>
+    <dgm:txPr/>
+    <dgm:style>
+      <a:lnRef idx="2">
+        <a:scrgbClr r="0" g="0" b="0"/>
+      </a:lnRef>
+      <a:fillRef idx="1">
+        <a:scrgbClr r="0" g="0" b="0"/>
+      </a:fillRef>
+      <a:effectRef idx="0">
+        <a:scrgbClr r="0" g="0" b="0"/>
+      </a:effectRef>
+      <a:fontRef idx="minor"/>
+    </dgm:style>
+  </dgm:styleLbl>
+  <dgm:styleLbl name="fgAccFollowNode1">
+    <dgm:scene3d>
+      <a:camera prst="orthographicFront"/>
+      <a:lightRig rig="threePt" dir="t"/>
+    </dgm:scene3d>
+    <dgm:sp3d/>
+    <dgm:txPr/>
+    <dgm:style>
+      <a:lnRef idx="2">
+        <a:scrgbClr r="0" g="0" b="0"/>
+      </a:lnRef>
+      <a:fillRef idx="1">
+        <a:scrgbClr r="0" g="0" b="0"/>
+      </a:fillRef>
+      <a:effectRef idx="0">
+        <a:scrgbClr r="0" g="0" b="0"/>
+      </a:effectRef>
+      <a:fontRef idx="minor"/>
+    </dgm:style>
+  </dgm:styleLbl>
+  <dgm:styleLbl name="alignAccFollowNode1">
+    <dgm:scene3d>
+      <a:camera prst="orthographicFront"/>
+      <a:lightRig rig="threePt" dir="t"/>
+    </dgm:scene3d>
+    <dgm:sp3d/>
+    <dgm:txPr/>
+    <dgm:style>
+      <a:lnRef idx="2">
+        <a:scrgbClr r="0" g="0" b="0"/>
+      </a:lnRef>
+      <a:fillRef idx="1">
+        <a:scrgbClr r="0" g="0" b="0"/>
+      </a:fillRef>
+      <a:effectRef idx="0">
+        <a:scrgbClr r="0" g="0" b="0"/>
+      </a:effectRef>
+      <a:fontRef idx="minor"/>
+    </dgm:style>
+  </dgm:styleLbl>
+  <dgm:styleLbl name="bgAccFollowNode1">
+    <dgm:scene3d>
+      <a:camera prst="orthographicFront"/>
+      <a:lightRig rig="threePt" dir="t"/>
+    </dgm:scene3d>
+    <dgm:sp3d/>
+    <dgm:txPr/>
+    <dgm:style>
+      <a:lnRef idx="2">
+        <a:scrgbClr r="0" g="0" b="0"/>
+      </a:lnRef>
+      <a:fillRef idx="1">
+        <a:scrgbClr r="0" g="0" b="0"/>
+      </a:fillRef>
+      <a:effectRef idx="0">
+        <a:scrgbClr r="0" g="0" b="0"/>
+      </a:effectRef>
+      <a:fontRef idx="minor"/>
+    </dgm:style>
+  </dgm:styleLbl>
+  <dgm:styleLbl name="fgAcc0">
+    <dgm:scene3d>
+      <a:camera prst="orthographicFront"/>
+      <a:lightRig rig="threePt" dir="t"/>
+    </dgm:scene3d>
+    <dgm:sp3d/>
+    <dgm:txPr/>
+    <dgm:style>
+      <a:lnRef idx="2">
+        <a:scrgbClr r="0" g="0" b="0"/>
+      </a:lnRef>
+      <a:fillRef idx="1">
+        <a:scrgbClr r="0" g="0" b="0"/>
+      </a:fillRef>
+      <a:effectRef idx="0">
+        <a:scrgbClr r="0" g="0" b="0"/>
+      </a:effectRef>
+      <a:fontRef idx="minor"/>
+    </dgm:style>
+  </dgm:styleLbl>
+  <dgm:styleLbl name="fgAcc2">
+    <dgm:scene3d>
+      <a:camera prst="orthographicFront"/>
+      <a:lightRig rig="threePt" dir="t"/>
+    </dgm:scene3d>
+    <dgm:sp3d/>
+    <dgm:txPr/>
+    <dgm:style>
+      <a:lnRef idx="2">
+        <a:scrgbClr r="0" g="0" b="0"/>
+      </a:lnRef>
+      <a:fillRef idx="1">
+        <a:scrgbClr r="0" g="0" b="0"/>
+      </a:fillRef>
+      <a:effectRef idx="0">
+        <a:scrgbClr r="0" g="0" b="0"/>
+      </a:effectRef>
+      <a:fontRef idx="minor"/>
+    </dgm:style>
+  </dgm:styleLbl>
+  <dgm:styleLbl name="fgAcc3">
+    <dgm:scene3d>
+      <a:camera prst="orthographicFront"/>
+      <a:lightRig rig="threePt" dir="t"/>
+    </dgm:scene3d>
+    <dgm:sp3d/>
+    <dgm:txPr/>
+    <dgm:style>
+      <a:lnRef idx="2">
+        <a:scrgbClr r="0" g="0" b="0"/>
+      </a:lnRef>
+      <a:fillRef idx="1">
+        <a:scrgbClr r="0" g="0" b="0"/>
+      </a:fillRef>
+      <a:effectRef idx="0">
+        <a:scrgbClr r="0" g="0" b="0"/>
+      </a:effectRef>
+      <a:fontRef idx="minor"/>
+    </dgm:style>
+  </dgm:styleLbl>
+  <dgm:styleLbl name="fgAcc4">
+    <dgm:scene3d>
+      <a:camera prst="orthographicFront"/>
+      <a:lightRig rig="threePt" dir="t"/>
+    </dgm:scene3d>
+    <dgm:sp3d/>
+    <dgm:txPr/>
+    <dgm:style>
+      <a:lnRef idx="2">
+        <a:scrgbClr r="0" g="0" b="0"/>
+      </a:lnRef>
+      <a:fillRef idx="1">
+        <a:scrgbClr r="0" g="0" b="0"/>
+      </a:fillRef>
+      <a:effectRef idx="0">
+        <a:scrgbClr r="0" g="0" b="0"/>
+      </a:effectRef>
+      <a:fontRef idx="minor"/>
+    </dgm:style>
+  </dgm:styleLbl>
+  <dgm:styleLbl name="bgShp">
+    <dgm:scene3d>
+      <a:camera prst="orthographicFront"/>
+      <a:lightRig rig="threePt" dir="t"/>
+    </dgm:scene3d>
+    <dgm:sp3d/>
+    <dgm:txPr/>
+    <dgm:style>
+      <a:lnRef idx="0">
+        <a:scrgbClr r="0" g="0" b="0"/>
+      </a:lnRef>
+      <a:fillRef idx="1">
+        <a:scrgbClr r="0" g="0" b="0"/>
+      </a:fillRef>
+      <a:effectRef idx="0">
+        <a:scrgbClr r="0" g="0" b="0"/>
+      </a:effectRef>
+      <a:fontRef idx="minor"/>
+    </dgm:style>
+  </dgm:styleLbl>
+  <dgm:styleLbl name="dkBgShp">
+    <dgm:scene3d>
+      <a:camera prst="orthographicFront"/>
+      <a:lightRig rig="threePt" dir="t"/>
+    </dgm:scene3d>
+    <dgm:sp3d/>
+    <dgm:txPr/>
+    <dgm:style>
+      <a:lnRef idx="0">
+        <a:scrgbClr r="0" g="0" b="0"/>
+      </a:lnRef>
+      <a:fillRef idx="1">
+        <a:scrgbClr r="0" g="0" b="0"/>
+      </a:fillRef>
+      <a:effectRef idx="0">
+        <a:scrgbClr r="0" g="0" b="0"/>
+      </a:effectRef>
+      <a:fontRef idx="minor"/>
+    </dgm:style>
+  </dgm:styleLbl>
+  <dgm:styleLbl name="trBgShp">
+    <dgm:scene3d>
+      <a:camera prst="orthographicFront"/>
+      <a:lightRig rig="threePt" dir="t"/>
+    </dgm:scene3d>
+    <dgm:sp3d/>
+    <dgm:txPr/>
+    <dgm:style>
+      <a:lnRef idx="0">
+        <a:scrgbClr r="0" g="0" b="0"/>
+      </a:lnRef>
+      <a:fillRef idx="1">
+        <a:scrgbClr r="0" g="0" b="0"/>
+      </a:fillRef>
+      <a:effectRef idx="0">
+        <a:scrgbClr r="0" g="0" b="0"/>
+      </a:effectRef>
+      <a:fontRef idx="minor"/>
+    </dgm:style>
+  </dgm:styleLbl>
+  <dgm:styleLbl name="fgShp">
+    <dgm:scene3d>
+      <a:camera prst="orthographicFront"/>
+      <a:lightRig rig="threePt" dir="t"/>
+    </dgm:scene3d>
+    <dgm:sp3d/>
+    <dgm:txPr/>
+    <dgm:style>
+      <a:lnRef idx="2">
+        <a:scrgbClr r="0" g="0" b="0"/>
+      </a:lnRef>
+      <a:fillRef idx="1">
+        <a:scrgbClr r="0" g="0" b="0"/>
+      </a:fillRef>
+      <a:effectRef idx="0">
         <a:scrgbClr r="0" g="0" b="0"/>
       </a:effectRef>
       <a:fontRef idx="minor"/>
@@ -8643,7 +11301,7 @@
           <a:p>
             <a:fld id="{AB38FD77-722C-49E2-AEB2-4580223DE7D4}" type="datetimeFigureOut">
               <a:rPr lang="pt-PT" smtClean="0"/>
-              <a:t>19/05/2022</a:t>
+              <a:t>25/05/2022</a:t>
             </a:fld>
             <a:endParaRPr lang="pt-PT"/>
           </a:p>
@@ -12556,6 +15214,14 @@
 <file path=ppt/slides/slide10.xml><?xml version="1.0" encoding="utf-8"?>
 <p:sld xmlns:a="http://schemas.openxmlformats.org/drawingml/2006/main" xmlns:r="http://schemas.openxmlformats.org/officeDocument/2006/relationships" xmlns:p="http://schemas.openxmlformats.org/presentationml/2006/main">
   <p:cSld>
+    <p:bg>
+      <p:bgPr>
+        <a:solidFill>
+          <a:schemeClr val="bg1"/>
+        </a:solidFill>
+        <a:effectLst/>
+      </p:bgPr>
+    </p:bg>
     <p:spTree>
       <p:nvGrpSpPr>
         <p:cNvPr id="1" name=""/>
@@ -12570,6 +15236,66 @@
           <a:chExt cx="0" cy="0"/>
         </a:xfrm>
       </p:grpSpPr>
+      <p:sp useBgFill="1">
+        <p:nvSpPr>
+          <p:cNvPr id="27" name="Rectangle 22">
+            <a:extLst>
+              <a:ext uri="{FF2B5EF4-FFF2-40B4-BE49-F238E27FC236}">
+                <a16:creationId xmlns:a16="http://schemas.microsoft.com/office/drawing/2014/main" id="{F13C74B1-5B17-4795-BED0-7140497B445A}"/>
+              </a:ext>
+              <a:ext uri="{C183D7F6-B498-43B3-948B-1728B52AA6E4}">
+                <adec:decorative xmlns:adec="http://schemas.microsoft.com/office/drawing/2017/decorative" val="1"/>
+              </a:ext>
+            </a:extLst>
+          </p:cNvPr>
+          <p:cNvSpPr>
+            <a:spLocks noGrp="1" noRot="1" noChangeAspect="1" noMove="1" noResize="1" noEditPoints="1" noAdjustHandles="1" noChangeArrowheads="1" noChangeShapeType="1" noTextEdit="1"/>
+          </p:cNvSpPr>
+          <p:nvPr>
+            <p:extLst>
+              <p:ext uri="{386F3935-93C4-4BCD-93E2-E3B085C9AB24}">
+                <p16:designElem xmlns:p16="http://schemas.microsoft.com/office/powerpoint/2015/main" val="1"/>
+              </p:ext>
+            </p:extLst>
+          </p:nvPr>
+        </p:nvSpPr>
+        <p:spPr>
+          <a:xfrm>
+            <a:off x="0" y="0"/>
+            <a:ext cx="12188952" cy="6858000"/>
+          </a:xfrm>
+          <a:prstGeom prst="rect">
+            <a:avLst/>
+          </a:prstGeom>
+          <a:ln>
+            <a:noFill/>
+          </a:ln>
+        </p:spPr>
+        <p:style>
+          <a:lnRef idx="2">
+            <a:schemeClr val="accent1">
+              <a:shade val="50000"/>
+            </a:schemeClr>
+          </a:lnRef>
+          <a:fillRef idx="1">
+            <a:schemeClr val="accent1"/>
+          </a:fillRef>
+          <a:effectRef idx="0">
+            <a:schemeClr val="accent1"/>
+          </a:effectRef>
+          <a:fontRef idx="minor">
+            <a:schemeClr val="lt1"/>
+          </a:fontRef>
+        </p:style>
+        <p:txBody>
+          <a:bodyPr rtlCol="0" anchor="ctr"/>
+          <a:lstStyle/>
+          <a:p>
+            <a:pPr algn="ctr"/>
+            <a:endParaRPr lang="en-US"/>
+          </a:p>
+        </p:txBody>
+      </p:sp>
       <p:sp>
         <p:nvSpPr>
           <p:cNvPr id="2" name="Título 1">
@@ -12586,22 +15312,312 @@
             <p:ph type="title"/>
           </p:nvPr>
         </p:nvSpPr>
-        <p:spPr/>
+        <p:spPr>
+          <a:xfrm>
+            <a:off x="640080" y="325369"/>
+            <a:ext cx="4368602" cy="1956841"/>
+          </a:xfrm>
+        </p:spPr>
         <p:txBody>
-          <a:bodyPr/>
+          <a:bodyPr anchor="b">
+            <a:normAutofit/>
+          </a:bodyPr>
           <a:lstStyle/>
           <a:p>
             <a:r>
-              <a:rPr lang="pt-PT" dirty="0" err="1"/>
+              <a:rPr lang="pt-PT" sz="5400" dirty="0" err="1"/>
               <a:t>Illumination</a:t>
             </a:r>
-            <a:endParaRPr lang="pt-PT" dirty="0"/>
+            <a:endParaRPr lang="pt-PT" sz="5400" dirty="0"/>
           </a:p>
         </p:txBody>
       </p:sp>
       <p:sp>
         <p:nvSpPr>
-          <p:cNvPr id="3" name="Marcador de Posição de Conteúdo 2">
+          <p:cNvPr id="28" name="sketchy line">
+            <a:extLst>
+              <a:ext uri="{FF2B5EF4-FFF2-40B4-BE49-F238E27FC236}">
+                <a16:creationId xmlns:a16="http://schemas.microsoft.com/office/drawing/2014/main" id="{D4974D33-8DC5-464E-8C6D-BE58F0669C17}"/>
+              </a:ext>
+              <a:ext uri="{C183D7F6-B498-43B3-948B-1728B52AA6E4}">
+                <adec:decorative xmlns:adec="http://schemas.microsoft.com/office/drawing/2017/decorative" val="1"/>
+              </a:ext>
+            </a:extLst>
+          </p:cNvPr>
+          <p:cNvSpPr>
+            <a:spLocks noGrp="1" noRot="1" noChangeAspect="1" noMove="1" noResize="1" noEditPoints="1" noAdjustHandles="1" noChangeArrowheads="1" noChangeShapeType="1" noTextEdit="1"/>
+          </p:cNvSpPr>
+          <p:nvPr>
+            <p:extLst>
+              <p:ext uri="{386F3935-93C4-4BCD-93E2-E3B085C9AB24}">
+                <p16:designElem xmlns:p16="http://schemas.microsoft.com/office/powerpoint/2015/main" val="1"/>
+              </p:ext>
+            </p:extLst>
+          </p:nvPr>
+        </p:nvSpPr>
+        <p:spPr>
+          <a:xfrm>
+            <a:off x="640080" y="2586994"/>
+            <a:ext cx="3474720" cy="18288"/>
+          </a:xfrm>
+          <a:custGeom>
+            <a:avLst/>
+            <a:gdLst>
+              <a:gd name="connsiteX0" fmla="*/ 0 w 3474720"/>
+              <a:gd name="connsiteY0" fmla="*/ 0 h 18288"/>
+              <a:gd name="connsiteX1" fmla="*/ 694944 w 3474720"/>
+              <a:gd name="connsiteY1" fmla="*/ 0 h 18288"/>
+              <a:gd name="connsiteX2" fmla="*/ 1355141 w 3474720"/>
+              <a:gd name="connsiteY2" fmla="*/ 0 h 18288"/>
+              <a:gd name="connsiteX3" fmla="*/ 2015338 w 3474720"/>
+              <a:gd name="connsiteY3" fmla="*/ 0 h 18288"/>
+              <a:gd name="connsiteX4" fmla="*/ 2779776 w 3474720"/>
+              <a:gd name="connsiteY4" fmla="*/ 0 h 18288"/>
+              <a:gd name="connsiteX5" fmla="*/ 3474720 w 3474720"/>
+              <a:gd name="connsiteY5" fmla="*/ 0 h 18288"/>
+              <a:gd name="connsiteX6" fmla="*/ 3474720 w 3474720"/>
+              <a:gd name="connsiteY6" fmla="*/ 18288 h 18288"/>
+              <a:gd name="connsiteX7" fmla="*/ 2779776 w 3474720"/>
+              <a:gd name="connsiteY7" fmla="*/ 18288 h 18288"/>
+              <a:gd name="connsiteX8" fmla="*/ 2189074 w 3474720"/>
+              <a:gd name="connsiteY8" fmla="*/ 18288 h 18288"/>
+              <a:gd name="connsiteX9" fmla="*/ 1528877 w 3474720"/>
+              <a:gd name="connsiteY9" fmla="*/ 18288 h 18288"/>
+              <a:gd name="connsiteX10" fmla="*/ 868680 w 3474720"/>
+              <a:gd name="connsiteY10" fmla="*/ 18288 h 18288"/>
+              <a:gd name="connsiteX11" fmla="*/ 0 w 3474720"/>
+              <a:gd name="connsiteY11" fmla="*/ 18288 h 18288"/>
+              <a:gd name="connsiteX12" fmla="*/ 0 w 3474720"/>
+              <a:gd name="connsiteY12" fmla="*/ 0 h 18288"/>
+            </a:gdLst>
+            <a:ahLst/>
+            <a:cxnLst>
+              <a:cxn ang="0">
+                <a:pos x="connsiteX0" y="connsiteY0"/>
+              </a:cxn>
+              <a:cxn ang="0">
+                <a:pos x="connsiteX1" y="connsiteY1"/>
+              </a:cxn>
+              <a:cxn ang="0">
+                <a:pos x="connsiteX2" y="connsiteY2"/>
+              </a:cxn>
+              <a:cxn ang="0">
+                <a:pos x="connsiteX3" y="connsiteY3"/>
+              </a:cxn>
+              <a:cxn ang="0">
+                <a:pos x="connsiteX4" y="connsiteY4"/>
+              </a:cxn>
+              <a:cxn ang="0">
+                <a:pos x="connsiteX5" y="connsiteY5"/>
+              </a:cxn>
+              <a:cxn ang="0">
+                <a:pos x="connsiteX6" y="connsiteY6"/>
+              </a:cxn>
+              <a:cxn ang="0">
+                <a:pos x="connsiteX7" y="connsiteY7"/>
+              </a:cxn>
+              <a:cxn ang="0">
+                <a:pos x="connsiteX8" y="connsiteY8"/>
+              </a:cxn>
+              <a:cxn ang="0">
+                <a:pos x="connsiteX9" y="connsiteY9"/>
+              </a:cxn>
+              <a:cxn ang="0">
+                <a:pos x="connsiteX10" y="connsiteY10"/>
+              </a:cxn>
+              <a:cxn ang="0">
+                <a:pos x="connsiteX11" y="connsiteY11"/>
+              </a:cxn>
+              <a:cxn ang="0">
+                <a:pos x="connsiteX12" y="connsiteY12"/>
+              </a:cxn>
+            </a:cxnLst>
+            <a:rect l="l" t="t" r="r" b="b"/>
+            <a:pathLst>
+              <a:path w="3474720" h="18288" fill="none" extrusionOk="0">
+                <a:moveTo>
+                  <a:pt x="0" y="0"/>
+                </a:moveTo>
+                <a:cubicBezTo>
+                  <a:pt x="224454" y="-14544"/>
+                  <a:pt x="495407" y="26540"/>
+                  <a:pt x="694944" y="0"/>
+                </a:cubicBezTo>
+                <a:cubicBezTo>
+                  <a:pt x="894481" y="-26540"/>
+                  <a:pt x="1130063" y="24713"/>
+                  <a:pt x="1355141" y="0"/>
+                </a:cubicBezTo>
+                <a:cubicBezTo>
+                  <a:pt x="1580219" y="-24713"/>
+                  <a:pt x="1820099" y="26695"/>
+                  <a:pt x="2015338" y="0"/>
+                </a:cubicBezTo>
+                <a:cubicBezTo>
+                  <a:pt x="2210577" y="-26695"/>
+                  <a:pt x="2402045" y="165"/>
+                  <a:pt x="2779776" y="0"/>
+                </a:cubicBezTo>
+                <a:cubicBezTo>
+                  <a:pt x="3157507" y="-165"/>
+                  <a:pt x="3286859" y="-15571"/>
+                  <a:pt x="3474720" y="0"/>
+                </a:cubicBezTo>
+                <a:cubicBezTo>
+                  <a:pt x="3474286" y="7551"/>
+                  <a:pt x="3474253" y="9822"/>
+                  <a:pt x="3474720" y="18288"/>
+                </a:cubicBezTo>
+                <a:cubicBezTo>
+                  <a:pt x="3233904" y="29845"/>
+                  <a:pt x="2945134" y="-5256"/>
+                  <a:pt x="2779776" y="18288"/>
+                </a:cubicBezTo>
+                <a:cubicBezTo>
+                  <a:pt x="2614418" y="41832"/>
+                  <a:pt x="2339768" y="22709"/>
+                  <a:pt x="2189074" y="18288"/>
+                </a:cubicBezTo>
+                <a:cubicBezTo>
+                  <a:pt x="2038380" y="13867"/>
+                  <a:pt x="1817434" y="-4947"/>
+                  <a:pt x="1528877" y="18288"/>
+                </a:cubicBezTo>
+                <a:cubicBezTo>
+                  <a:pt x="1240320" y="41523"/>
+                  <a:pt x="1042447" y="37198"/>
+                  <a:pt x="868680" y="18288"/>
+                </a:cubicBezTo>
+                <a:cubicBezTo>
+                  <a:pt x="694913" y="-622"/>
+                  <a:pt x="233232" y="44909"/>
+                  <a:pt x="0" y="18288"/>
+                </a:cubicBezTo>
+                <a:cubicBezTo>
+                  <a:pt x="60" y="11696"/>
+                  <a:pt x="66" y="3758"/>
+                  <a:pt x="0" y="0"/>
+                </a:cubicBezTo>
+                <a:close/>
+              </a:path>
+              <a:path w="3474720" h="18288" stroke="0" extrusionOk="0">
+                <a:moveTo>
+                  <a:pt x="0" y="0"/>
+                </a:moveTo>
+                <a:cubicBezTo>
+                  <a:pt x="202328" y="-14716"/>
+                  <a:pt x="332722" y="-11499"/>
+                  <a:pt x="625450" y="0"/>
+                </a:cubicBezTo>
+                <a:cubicBezTo>
+                  <a:pt x="918178" y="11499"/>
+                  <a:pt x="1096688" y="5123"/>
+                  <a:pt x="1389888" y="0"/>
+                </a:cubicBezTo>
+                <a:cubicBezTo>
+                  <a:pt x="1683088" y="-5123"/>
+                  <a:pt x="1835981" y="-14038"/>
+                  <a:pt x="1980590" y="0"/>
+                </a:cubicBezTo>
+                <a:cubicBezTo>
+                  <a:pt x="2125199" y="14038"/>
+                  <a:pt x="2396099" y="-7203"/>
+                  <a:pt x="2571293" y="0"/>
+                </a:cubicBezTo>
+                <a:cubicBezTo>
+                  <a:pt x="2746487" y="7203"/>
+                  <a:pt x="3041609" y="-12036"/>
+                  <a:pt x="3474720" y="0"/>
+                </a:cubicBezTo>
+                <a:cubicBezTo>
+                  <a:pt x="3474638" y="4406"/>
+                  <a:pt x="3474631" y="9982"/>
+                  <a:pt x="3474720" y="18288"/>
+                </a:cubicBezTo>
+                <a:cubicBezTo>
+                  <a:pt x="3324873" y="21876"/>
+                  <a:pt x="3136771" y="12587"/>
+                  <a:pt x="2814523" y="18288"/>
+                </a:cubicBezTo>
+                <a:cubicBezTo>
+                  <a:pt x="2492275" y="23989"/>
+                  <a:pt x="2294402" y="47111"/>
+                  <a:pt x="2154326" y="18288"/>
+                </a:cubicBezTo>
+                <a:cubicBezTo>
+                  <a:pt x="2014250" y="-10535"/>
+                  <a:pt x="1820317" y="33903"/>
+                  <a:pt x="1494130" y="18288"/>
+                </a:cubicBezTo>
+                <a:cubicBezTo>
+                  <a:pt x="1167943" y="2673"/>
+                  <a:pt x="948432" y="14868"/>
+                  <a:pt x="729691" y="18288"/>
+                </a:cubicBezTo>
+                <a:cubicBezTo>
+                  <a:pt x="510950" y="21708"/>
+                  <a:pt x="264032" y="24354"/>
+                  <a:pt x="0" y="18288"/>
+                </a:cubicBezTo>
+                <a:cubicBezTo>
+                  <a:pt x="189" y="14288"/>
+                  <a:pt x="-703" y="3747"/>
+                  <a:pt x="0" y="0"/>
+                </a:cubicBezTo>
+                <a:close/>
+              </a:path>
+            </a:pathLst>
+          </a:custGeom>
+          <a:solidFill>
+            <a:schemeClr val="accent2"/>
+          </a:solidFill>
+          <a:ln w="44450" cap="rnd">
+            <a:solidFill>
+              <a:schemeClr val="accent2"/>
+            </a:solidFill>
+            <a:round/>
+            <a:extLst>
+              <a:ext uri="{C807C97D-BFC1-408E-A445-0C87EB9F89A2}">
+                <ask:lineSketchStyleProps xmlns:ask="http://schemas.microsoft.com/office/drawing/2018/sketchyshapes" sd="2863741219">
+                  <a:prstGeom prst="rect">
+                    <a:avLst/>
+                  </a:prstGeom>
+                  <ask:type>
+                    <ask:lineSketchFreehand/>
+                  </ask:type>
+                </ask:lineSketchStyleProps>
+              </a:ext>
+            </a:extLst>
+          </a:ln>
+        </p:spPr>
+        <p:style>
+          <a:lnRef idx="2">
+            <a:schemeClr val="accent1">
+              <a:shade val="50000"/>
+            </a:schemeClr>
+          </a:lnRef>
+          <a:fillRef idx="1">
+            <a:schemeClr val="accent1"/>
+          </a:fillRef>
+          <a:effectRef idx="0">
+            <a:schemeClr val="accent1"/>
+          </a:effectRef>
+          <a:fontRef idx="minor">
+            <a:schemeClr val="lt1"/>
+          </a:fontRef>
+        </p:style>
+        <p:txBody>
+          <a:bodyPr rtlCol="0" anchor="ctr"/>
+          <a:lstStyle/>
+          <a:p>
+            <a:pPr algn="ctr"/>
+            <a:endParaRPr lang="en-US"/>
+          </a:p>
+        </p:txBody>
+      </p:sp>
+      <p:sp>
+        <p:nvSpPr>
+          <p:cNvPr id="17" name="Marcador de Posição de Conteúdo 2">
             <a:extLst>
               <a:ext uri="{FF2B5EF4-FFF2-40B4-BE49-F238E27FC236}">
                 <a16:creationId xmlns:a16="http://schemas.microsoft.com/office/drawing/2014/main" id="{C63E7569-D78E-A980-42C5-E03FCBCB4FAE}"/>
@@ -12615,235 +15631,159 @@
             <p:ph idx="1"/>
           </p:nvPr>
         </p:nvSpPr>
-        <p:spPr/>
+        <p:spPr>
+          <a:xfrm>
+            <a:off x="640080" y="2872899"/>
+            <a:ext cx="4243589" cy="3320668"/>
+          </a:xfrm>
+        </p:spPr>
         <p:txBody>
-          <a:bodyPr/>
+          <a:bodyPr>
+            <a:normAutofit/>
+          </a:bodyPr>
           <a:lstStyle/>
           <a:p>
             <a:pPr marL="0" indent="0">
               <a:buNone/>
             </a:pPr>
-            <a:endParaRPr lang="pt-PT" dirty="0"/>
+            <a:endParaRPr lang="pt-PT" sz="2200" dirty="0"/>
           </a:p>
           <a:p>
-            <a:r>
-              <a:rPr lang="pt-PT" dirty="0" err="1"/>
+            <a:pPr algn="just"/>
+            <a:r>
+              <a:rPr lang="pt-PT" sz="2200" dirty="0" err="1"/>
               <a:t>The</a:t>
             </a:r>
             <a:r>
-              <a:rPr lang="pt-PT" dirty="0"/>
+              <a:rPr lang="pt-PT" sz="2200" dirty="0"/>
               <a:t> </a:t>
             </a:r>
             <a:r>
-              <a:rPr lang="pt-PT" dirty="0" err="1"/>
+              <a:rPr lang="pt-PT" sz="2200" dirty="0" err="1"/>
               <a:t>scene</a:t>
             </a:r>
             <a:r>
-              <a:rPr lang="pt-PT" dirty="0"/>
+              <a:rPr lang="pt-PT" sz="2200" dirty="0"/>
               <a:t> </a:t>
             </a:r>
             <a:r>
-              <a:rPr lang="pt-PT" dirty="0" err="1"/>
+              <a:rPr lang="pt-PT" sz="2200" dirty="0" err="1"/>
               <a:t>has</a:t>
             </a:r>
             <a:r>
-              <a:rPr lang="pt-PT" dirty="0"/>
+              <a:rPr lang="pt-PT" sz="2200" dirty="0"/>
+              <a:t> a single </a:t>
+            </a:r>
+            <a:r>
+              <a:rPr lang="pt-PT" sz="2200" dirty="0" err="1"/>
+              <a:t>spotlight</a:t>
+            </a:r>
+            <a:r>
+              <a:rPr lang="pt-PT" sz="2200" dirty="0"/>
+              <a:t> </a:t>
+            </a:r>
+            <a:r>
+              <a:rPr lang="pt-PT" sz="2200" dirty="0" err="1"/>
+              <a:t>denominated</a:t>
+            </a:r>
+            <a:r>
+              <a:rPr lang="pt-PT" sz="2200" dirty="0"/>
+              <a:t> as “</a:t>
+            </a:r>
+            <a:r>
+              <a:rPr lang="pt-PT" sz="2200" dirty="0" err="1"/>
+              <a:t>sun</a:t>
+            </a:r>
+            <a:r>
+              <a:rPr lang="pt-PT" sz="2200" dirty="0"/>
+              <a:t>” </a:t>
+            </a:r>
+            <a:r>
+              <a:rPr lang="pt-PT" sz="2200" dirty="0" err="1"/>
+              <a:t>that</a:t>
+            </a:r>
+            <a:r>
+              <a:rPr lang="pt-PT" sz="2200" dirty="0"/>
+              <a:t> does </a:t>
+            </a:r>
+            <a:r>
+              <a:rPr lang="pt-PT" sz="2200" dirty="0" err="1"/>
+              <a:t>the</a:t>
+            </a:r>
+            <a:r>
+              <a:rPr lang="pt-PT" sz="2200" dirty="0"/>
+              <a:t> </a:t>
+            </a:r>
+            <a:r>
+              <a:rPr lang="pt-PT" sz="2200" dirty="0" err="1"/>
+              <a:t>illumination</a:t>
+            </a:r>
+            <a:r>
+              <a:rPr lang="pt-PT" sz="2200" dirty="0"/>
+              <a:t> </a:t>
+            </a:r>
+            <a:r>
+              <a:rPr lang="pt-PT" sz="2200" dirty="0" err="1"/>
+              <a:t>of</a:t>
+            </a:r>
+            <a:r>
+              <a:rPr lang="pt-PT" sz="2200" dirty="0"/>
+              <a:t> </a:t>
+            </a:r>
+            <a:r>
+              <a:rPr lang="pt-PT" sz="2200" dirty="0" err="1"/>
+              <a:t>all</a:t>
+            </a:r>
+            <a:r>
+              <a:rPr lang="pt-PT" sz="2200" dirty="0"/>
+              <a:t> </a:t>
+            </a:r>
+            <a:r>
+              <a:rPr lang="pt-PT" sz="2200" dirty="0" err="1"/>
+              <a:t>scene</a:t>
+            </a:r>
+            <a:r>
+              <a:rPr lang="pt-PT" sz="2200" dirty="0"/>
+              <a:t> </a:t>
+            </a:r>
+            <a:r>
+              <a:rPr lang="pt-PT" sz="2200" dirty="0" err="1"/>
+              <a:t>with</a:t>
+            </a:r>
+            <a:r>
+              <a:rPr lang="pt-PT" sz="2200" dirty="0"/>
               <a:t> a </a:t>
             </a:r>
             <a:r>
-              <a:rPr lang="pt-PT" dirty="0" err="1"/>
-              <a:t>spotlight</a:t>
-            </a:r>
-            <a:r>
-              <a:rPr lang="pt-PT" dirty="0"/>
+              <a:rPr lang="pt-PT" sz="2200" dirty="0" err="1"/>
+              <a:t>rotation</a:t>
+            </a:r>
+            <a:r>
+              <a:rPr lang="pt-PT" sz="2200" dirty="0"/>
               <a:t> </a:t>
             </a:r>
             <a:r>
-              <a:rPr lang="pt-PT" dirty="0" err="1"/>
-              <a:t>denominated</a:t>
-            </a:r>
-            <a:r>
-              <a:rPr lang="pt-PT" dirty="0"/>
-              <a:t> as “</a:t>
-            </a:r>
-            <a:r>
-              <a:rPr lang="pt-PT" dirty="0" err="1"/>
-              <a:t>sun</a:t>
-            </a:r>
-            <a:r>
-              <a:rPr lang="pt-PT" dirty="0"/>
-              <a:t>”</a:t>
-            </a:r>
-          </a:p>
-          <a:p>
-            <a:r>
-              <a:rPr lang="pt-PT" dirty="0" err="1"/>
-              <a:t>This</a:t>
-            </a:r>
-            <a:r>
-              <a:rPr lang="pt-PT" dirty="0"/>
+              <a:rPr lang="pt-PT" sz="2200" dirty="0" err="1"/>
+              <a:t>movement</a:t>
+            </a:r>
+            <a:r>
+              <a:rPr lang="pt-PT" sz="2200" dirty="0"/>
               <a:t> </a:t>
             </a:r>
             <a:r>
-              <a:rPr lang="pt-PT" dirty="0" err="1"/>
-              <a:t>spotlight</a:t>
-            </a:r>
-            <a:r>
-              <a:rPr lang="pt-PT" dirty="0"/>
+              <a:rPr lang="pt-PT" sz="2200" dirty="0" err="1"/>
+              <a:t>around</a:t>
+            </a:r>
+            <a:r>
+              <a:rPr lang="pt-PT" sz="2200" dirty="0"/>
               <a:t> </a:t>
             </a:r>
             <a:r>
-              <a:rPr lang="pt-PT" dirty="0" err="1"/>
-              <a:t>is</a:t>
-            </a:r>
-            <a:r>
-              <a:rPr lang="pt-PT" dirty="0"/>
-              <a:t> </a:t>
-            </a:r>
-            <a:r>
-              <a:rPr lang="pt-PT" dirty="0" err="1"/>
-              <a:t>moving</a:t>
-            </a:r>
-            <a:r>
-              <a:rPr lang="pt-PT" dirty="0"/>
-              <a:t> </a:t>
-            </a:r>
-            <a:r>
-              <a:rPr lang="pt-PT" dirty="0" err="1"/>
-              <a:t>by</a:t>
-            </a:r>
-            <a:r>
-              <a:rPr lang="pt-PT" dirty="0"/>
-              <a:t> </a:t>
-            </a:r>
-            <a:r>
-              <a:rPr lang="pt-PT" dirty="0" err="1"/>
-              <a:t>default</a:t>
-            </a:r>
-            <a:r>
-              <a:rPr lang="pt-PT" dirty="0"/>
-              <a:t>, </a:t>
-            </a:r>
-            <a:r>
-              <a:rPr lang="pt-PT" dirty="0" err="1"/>
-              <a:t>however</a:t>
-            </a:r>
-            <a:r>
-              <a:rPr lang="pt-PT" dirty="0"/>
-              <a:t>, </a:t>
-            </a:r>
-            <a:r>
-              <a:rPr lang="pt-PT" dirty="0" err="1"/>
-              <a:t>the</a:t>
-            </a:r>
-            <a:r>
-              <a:rPr lang="pt-PT" dirty="0"/>
-              <a:t> </a:t>
-            </a:r>
-            <a:r>
-              <a:rPr lang="pt-PT" dirty="0" err="1"/>
-              <a:t>user</a:t>
-            </a:r>
-            <a:r>
-              <a:rPr lang="pt-PT" dirty="0"/>
-              <a:t> can stop </a:t>
-            </a:r>
-            <a:r>
-              <a:rPr lang="pt-PT" dirty="0" err="1"/>
+              <a:rPr lang="pt-PT" sz="2200" dirty="0" err="1"/>
               <a:t>it</a:t>
             </a:r>
             <a:r>
-              <a:rPr lang="pt-PT" dirty="0"/>
-              <a:t> </a:t>
-            </a:r>
-            <a:r>
-              <a:rPr lang="pt-PT" dirty="0" err="1"/>
-              <a:t>if</a:t>
-            </a:r>
-            <a:r>
-              <a:rPr lang="pt-PT" dirty="0"/>
-              <a:t> </a:t>
-            </a:r>
-            <a:r>
-              <a:rPr lang="pt-PT" dirty="0" err="1"/>
-              <a:t>he</a:t>
-            </a:r>
-            <a:r>
-              <a:rPr lang="pt-PT" dirty="0"/>
-              <a:t> </a:t>
-            </a:r>
-            <a:r>
-              <a:rPr lang="pt-PT" dirty="0" err="1"/>
-              <a:t>needs</a:t>
-            </a:r>
-            <a:r>
-              <a:rPr lang="pt-PT" dirty="0"/>
-              <a:t>.</a:t>
-            </a:r>
-          </a:p>
-          <a:p>
-            <a:r>
-              <a:rPr lang="pt-PT" dirty="0" err="1"/>
-              <a:t>Its</a:t>
-            </a:r>
-            <a:r>
-              <a:rPr lang="pt-PT" dirty="0"/>
-              <a:t> </a:t>
-            </a:r>
-            <a:r>
-              <a:rPr lang="pt-PT" dirty="0" err="1"/>
-              <a:t>position</a:t>
-            </a:r>
-            <a:r>
-              <a:rPr lang="pt-PT" dirty="0"/>
-              <a:t> can </a:t>
-            </a:r>
-            <a:r>
-              <a:rPr lang="pt-PT" dirty="0" err="1"/>
-              <a:t>also</a:t>
-            </a:r>
-            <a:r>
-              <a:rPr lang="pt-PT" dirty="0"/>
-              <a:t> </a:t>
-            </a:r>
-            <a:r>
-              <a:rPr lang="pt-PT" dirty="0" err="1"/>
-              <a:t>be</a:t>
-            </a:r>
-            <a:r>
-              <a:rPr lang="pt-PT" dirty="0"/>
-              <a:t> </a:t>
-            </a:r>
-            <a:r>
-              <a:rPr lang="pt-PT" dirty="0" err="1"/>
-              <a:t>resetted</a:t>
-            </a:r>
-            <a:r>
-              <a:rPr lang="pt-PT" dirty="0"/>
-              <a:t> </a:t>
-            </a:r>
-            <a:r>
-              <a:rPr lang="pt-PT" dirty="0" err="1"/>
-              <a:t>by</a:t>
-            </a:r>
-            <a:r>
-              <a:rPr lang="pt-PT" dirty="0"/>
-              <a:t> </a:t>
-            </a:r>
-            <a:r>
-              <a:rPr lang="pt-PT" dirty="0" err="1"/>
-              <a:t>the</a:t>
-            </a:r>
-            <a:r>
-              <a:rPr lang="pt-PT" dirty="0"/>
-              <a:t> </a:t>
-            </a:r>
-            <a:r>
-              <a:rPr lang="pt-PT" dirty="0" err="1"/>
-              <a:t>user</a:t>
-            </a:r>
-            <a:r>
-              <a:rPr lang="pt-PT" dirty="0"/>
+              <a:rPr lang="pt-PT" sz="2200" dirty="0"/>
               <a:t>.</a:t>
             </a:r>
           </a:p>
@@ -12865,11 +15805,23 @@
             <p:ph type="dt" sz="half" idx="10"/>
           </p:nvPr>
         </p:nvSpPr>
-        <p:spPr/>
+        <p:spPr>
+          <a:xfrm>
+            <a:off x="838200" y="6356350"/>
+            <a:ext cx="2743200" cy="365125"/>
+          </a:xfrm>
+        </p:spPr>
         <p:txBody>
-          <a:bodyPr/>
+          <a:bodyPr>
+            <a:normAutofit/>
+          </a:bodyPr>
           <a:lstStyle/>
           <a:p>
+            <a:pPr>
+              <a:spcAft>
+                <a:spcPts val="600"/>
+              </a:spcAft>
+            </a:pPr>
             <a:r>
               <a:rPr lang="pt-PT"/>
               <a:t>ICG - 2021/2022 - Project 1</a:t>
@@ -12877,6 +15829,147 @@
           </a:p>
         </p:txBody>
       </p:sp>
+      <p:pic>
+        <p:nvPicPr>
+          <p:cNvPr id="29" name="Picture 18">
+            <a:extLst>
+              <a:ext uri="{FF2B5EF4-FFF2-40B4-BE49-F238E27FC236}">
+                <a16:creationId xmlns:a16="http://schemas.microsoft.com/office/drawing/2014/main" id="{67896FC2-F565-650F-DE05-F3F7AC08F669}"/>
+              </a:ext>
+            </a:extLst>
+          </p:cNvPr>
+          <p:cNvPicPr>
+            <a:picLocks noChangeAspect="1"/>
+          </p:cNvPicPr>
+          <p:nvPr/>
+        </p:nvPicPr>
+        <p:blipFill rotWithShape="1">
+          <a:blip r:embed="rId2"/>
+          <a:srcRect l="21764" r="21816"/>
+          <a:stretch/>
+        </p:blipFill>
+        <p:spPr>
+          <a:xfrm>
+            <a:off x="5311702" y="10"/>
+            <a:ext cx="6878775" cy="6857990"/>
+          </a:xfrm>
+          <a:custGeom>
+            <a:avLst/>
+            <a:gdLst/>
+            <a:ahLst/>
+            <a:cxnLst/>
+            <a:rect l="l" t="t" r="r" b="b"/>
+            <a:pathLst>
+              <a:path w="6878775" h="6858000">
+                <a:moveTo>
+                  <a:pt x="1102973" y="0"/>
+                </a:moveTo>
+                <a:lnTo>
+                  <a:pt x="1160688" y="0"/>
+                </a:lnTo>
+                <a:lnTo>
+                  <a:pt x="983189" y="331786"/>
+                </a:lnTo>
+                <a:cubicBezTo>
+                  <a:pt x="914866" y="469145"/>
+                  <a:pt x="850355" y="608712"/>
+                  <a:pt x="789261" y="750263"/>
+                </a:cubicBezTo>
+                <a:cubicBezTo>
+                  <a:pt x="774307" y="784928"/>
+                  <a:pt x="759992" y="819849"/>
+                  <a:pt x="745295" y="854514"/>
+                </a:cubicBezTo>
+                <a:cubicBezTo>
+                  <a:pt x="756682" y="845393"/>
+                  <a:pt x="765489" y="833492"/>
+                  <a:pt x="770857" y="819975"/>
+                </a:cubicBezTo>
+                <a:cubicBezTo>
+                  <a:pt x="879943" y="589569"/>
+                  <a:pt x="999605" y="365513"/>
+                  <a:pt x="1131329" y="148742"/>
+                </a:cubicBezTo>
+                <a:lnTo>
+                  <a:pt x="1227589" y="0"/>
+                </a:lnTo>
+                <a:lnTo>
+                  <a:pt x="6878775" y="0"/>
+                </a:lnTo>
+                <a:lnTo>
+                  <a:pt x="6878775" y="6858000"/>
+                </a:lnTo>
+                <a:lnTo>
+                  <a:pt x="713521" y="6858000"/>
+                </a:lnTo>
+                <a:lnTo>
+                  <a:pt x="625642" y="6670527"/>
+                </a:lnTo>
+                <a:cubicBezTo>
+                  <a:pt x="507232" y="6398531"/>
+                  <a:pt x="403083" y="6118381"/>
+                  <a:pt x="312785" y="5830359"/>
+                </a:cubicBezTo>
+                <a:cubicBezTo>
+                  <a:pt x="278149" y="5719759"/>
+                  <a:pt x="248879" y="5607635"/>
+                  <a:pt x="212198" y="5480401"/>
+                </a:cubicBezTo>
+                <a:cubicBezTo>
+                  <a:pt x="212208" y="5491601"/>
+                  <a:pt x="212803" y="5502788"/>
+                  <a:pt x="213988" y="5513923"/>
+                </a:cubicBezTo>
+                <a:cubicBezTo>
+                  <a:pt x="264089" y="5723695"/>
+                  <a:pt x="307290" y="5935370"/>
+                  <a:pt x="365826" y="6142729"/>
+                </a:cubicBezTo>
+                <a:cubicBezTo>
+                  <a:pt x="433152" y="6380817"/>
+                  <a:pt x="510068" y="6614016"/>
+                  <a:pt x="597975" y="6841549"/>
+                </a:cubicBezTo>
+                <a:lnTo>
+                  <a:pt x="604824" y="6858000"/>
+                </a:lnTo>
+                <a:lnTo>
+                  <a:pt x="552056" y="6858000"/>
+                </a:lnTo>
+                <a:lnTo>
+                  <a:pt x="539576" y="6828295"/>
+                </a:lnTo>
+                <a:cubicBezTo>
+                  <a:pt x="380597" y="6414594"/>
+                  <a:pt x="260223" y="5988893"/>
+                  <a:pt x="171555" y="5552906"/>
+                </a:cubicBezTo>
+                <a:cubicBezTo>
+                  <a:pt x="91163" y="5157998"/>
+                  <a:pt x="43746" y="4758899"/>
+                  <a:pt x="12305" y="4357388"/>
+                </a:cubicBezTo>
+                <a:cubicBezTo>
+                  <a:pt x="-14281" y="4013908"/>
+                  <a:pt x="4507" y="3672965"/>
+                  <a:pt x="46684" y="3331516"/>
+                </a:cubicBezTo>
+                <a:cubicBezTo>
+                  <a:pt x="127203" y="2664286"/>
+                  <a:pt x="277819" y="2007265"/>
+                  <a:pt x="496065" y="1371196"/>
+                </a:cubicBezTo>
+                <a:cubicBezTo>
+                  <a:pt x="636273" y="966066"/>
+                  <a:pt x="800445" y="573253"/>
+                  <a:pt x="995723" y="196614"/>
+                </a:cubicBezTo>
+                <a:close/>
+              </a:path>
+            </a:pathLst>
+          </a:custGeom>
+        </p:spPr>
+      </p:pic>
       <p:sp>
         <p:nvSpPr>
           <p:cNvPr id="5" name="Marcador de Posição do Número do Diapositivo 4">
@@ -12893,16 +15986,41 @@
             <p:ph type="sldNum" sz="quarter" idx="12"/>
           </p:nvPr>
         </p:nvSpPr>
-        <p:spPr/>
+        <p:spPr>
+          <a:xfrm>
+            <a:off x="10439400" y="6356350"/>
+            <a:ext cx="914400" cy="365125"/>
+          </a:xfrm>
+        </p:spPr>
         <p:txBody>
-          <a:bodyPr/>
+          <a:bodyPr>
+            <a:normAutofit/>
+          </a:bodyPr>
           <a:lstStyle/>
           <a:p>
+            <a:pPr>
+              <a:spcAft>
+                <a:spcPts val="600"/>
+              </a:spcAft>
+            </a:pPr>
             <a:fld id="{A275E76C-0B34-4617-92BE-2419D92E4442}" type="slidenum">
-              <a:rPr lang="pt-PT" smtClean="0"/>
+              <a:rPr lang="pt-PT">
+                <a:solidFill>
+                  <a:srgbClr val="FFFFFF"/>
+                </a:solidFill>
+              </a:rPr>
+              <a:pPr>
+                <a:spcAft>
+                  <a:spcPts val="600"/>
+                </a:spcAft>
+              </a:pPr>
               <a:t>10</a:t>
             </a:fld>
-            <a:endParaRPr lang="pt-PT"/>
+            <a:endParaRPr lang="pt-PT">
+              <a:solidFill>
+                <a:srgbClr val="FFFFFF"/>
+              </a:solidFill>
+            </a:endParaRPr>
           </a:p>
         </p:txBody>
       </p:sp>
@@ -13068,9 +16186,6 @@
             <a:endParaRPr lang="pt-PT" dirty="0"/>
           </a:p>
           <a:p>
-            <a:endParaRPr lang="pt-PT" dirty="0"/>
-          </a:p>
-          <a:p>
             <a:r>
               <a:rPr lang="pt-PT" dirty="0" err="1"/>
               <a:t>The</a:t>
@@ -13144,7 +16259,7 @@
             </a:r>
             <a:r>
               <a:rPr lang="pt-PT" dirty="0" err="1"/>
-              <a:t>sun</a:t>
+              <a:t>spotlight</a:t>
             </a:r>
             <a:r>
               <a:rPr lang="pt-PT" dirty="0"/>
@@ -13171,7 +16286,7 @@
             </a:r>
             <a:r>
               <a:rPr lang="pt-PT" dirty="0" err="1"/>
-              <a:t>sun’s</a:t>
+              <a:t>spotlight</a:t>
             </a:r>
             <a:r>
               <a:rPr lang="pt-PT" dirty="0"/>
@@ -13457,15 +16572,86 @@
             <a:endParaRPr lang="pt-PT" dirty="0"/>
           </a:p>
           <a:p>
-            <a:endParaRPr lang="pt-PT" dirty="0"/>
+            <a:r>
+              <a:rPr lang="pt-PT" dirty="0" err="1"/>
+              <a:t>This</a:t>
+            </a:r>
+            <a:r>
+              <a:rPr lang="pt-PT" dirty="0"/>
+              <a:t> </a:t>
+            </a:r>
+            <a:r>
+              <a:rPr lang="pt-PT" dirty="0" err="1"/>
+              <a:t>project</a:t>
+            </a:r>
+            <a:r>
+              <a:rPr lang="pt-PT" dirty="0"/>
+              <a:t> </a:t>
+            </a:r>
+            <a:r>
+              <a:rPr lang="pt-PT" dirty="0" err="1"/>
+              <a:t>is</a:t>
+            </a:r>
+            <a:r>
+              <a:rPr lang="pt-PT" dirty="0"/>
+              <a:t> </a:t>
+            </a:r>
+            <a:r>
+              <a:rPr lang="pt-PT" dirty="0" err="1"/>
+              <a:t>divided</a:t>
+            </a:r>
+            <a:r>
+              <a:rPr lang="pt-PT" dirty="0"/>
+              <a:t> </a:t>
+            </a:r>
+            <a:r>
+              <a:rPr lang="pt-PT" dirty="0" err="1"/>
+              <a:t>into</a:t>
+            </a:r>
+            <a:r>
+              <a:rPr lang="pt-PT" dirty="0"/>
+              <a:t>:</a:t>
+            </a:r>
           </a:p>
           <a:p>
-            <a:endParaRPr lang="pt-PT" dirty="0"/>
+            <a:pPr lvl="1"/>
+            <a:r>
+              <a:rPr lang="pt-PT" dirty="0"/>
+              <a:t>2 </a:t>
+            </a:r>
+            <a:r>
+              <a:rPr lang="pt-PT" dirty="0" err="1"/>
+              <a:t>javascript</a:t>
+            </a:r>
+            <a:r>
+              <a:rPr lang="pt-PT" dirty="0"/>
+              <a:t> files (helper.js </a:t>
+            </a:r>
+            <a:r>
+              <a:rPr lang="pt-PT" dirty="0" err="1"/>
+              <a:t>and</a:t>
+            </a:r>
+            <a:r>
+              <a:rPr lang="pt-PT" dirty="0"/>
+              <a:t> scene.js) </a:t>
+            </a:r>
           </a:p>
           <a:p>
+            <a:pPr lvl="1"/>
+            <a:r>
+              <a:rPr lang="pt-PT" dirty="0"/>
+              <a:t>1 HTML file (index.html)</a:t>
+            </a:r>
+          </a:p>
+          <a:p>
+            <a:pPr lvl="1"/>
+            <a:r>
+              <a:rPr lang="pt-PT" dirty="0"/>
+              <a:t>1 </a:t>
+            </a:r>
             <a:r>
               <a:rPr lang="pt-PT" dirty="0" err="1"/>
-              <a:t>This</a:t>
+              <a:t>folder</a:t>
             </a:r>
             <a:r>
               <a:rPr lang="pt-PT" dirty="0"/>
@@ -13473,7 +16659,7 @@
             </a:r>
             <a:r>
               <a:rPr lang="pt-PT" dirty="0" err="1"/>
-              <a:t>project</a:t>
+              <a:t>with</a:t>
             </a:r>
             <a:r>
               <a:rPr lang="pt-PT" dirty="0"/>
@@ -13481,60 +16667,29 @@
             </a:r>
             <a:r>
               <a:rPr lang="pt-PT" dirty="0" err="1"/>
-              <a:t>is</a:t>
+              <a:t>the</a:t>
             </a:r>
             <a:r>
               <a:rPr lang="pt-PT" dirty="0"/>
-              <a:t> </a:t>
+              <a:t> modules </a:t>
             </a:r>
             <a:r>
               <a:rPr lang="pt-PT" dirty="0" err="1"/>
-              <a:t>divided</a:t>
+              <a:t>used</a:t>
             </a:r>
             <a:r>
               <a:rPr lang="pt-PT" dirty="0"/>
-              <a:t> </a:t>
+              <a:t> (</a:t>
             </a:r>
             <a:r>
               <a:rPr lang="pt-PT" dirty="0" err="1"/>
-              <a:t>into</a:t>
-            </a:r>
-            <a:r>
-              <a:rPr lang="pt-PT" dirty="0"/>
-              <a:t> 2 </a:t>
-            </a:r>
-            <a:r>
-              <a:rPr lang="pt-PT" dirty="0" err="1"/>
-              <a:t>javascript</a:t>
-            </a:r>
-            <a:r>
-              <a:rPr lang="pt-PT" dirty="0"/>
-              <a:t> files (helper.js </a:t>
-            </a:r>
-            <a:r>
-              <a:rPr lang="pt-PT" dirty="0" err="1"/>
-              <a:t>and</a:t>
-            </a:r>
-            <a:r>
-              <a:rPr lang="pt-PT" dirty="0"/>
-              <a:t> scene.js) </a:t>
-            </a:r>
-            <a:r>
-              <a:rPr lang="pt-PT" dirty="0" err="1"/>
-              <a:t>and</a:t>
-            </a:r>
-            <a:r>
-              <a:rPr lang="pt-PT" dirty="0"/>
-              <a:t> </a:t>
-            </a:r>
-            <a:r>
-              <a:rPr lang="pt-PT" dirty="0" err="1"/>
-              <a:t>an</a:t>
-            </a:r>
-            <a:r>
-              <a:rPr lang="pt-PT" dirty="0"/>
-              <a:t> HTML file (index.html)</a:t>
-            </a:r>
+              <a:t>lib</a:t>
+            </a:r>
+            <a:r>
+              <a:rPr lang="pt-PT"/>
+              <a:t>)</a:t>
+            </a:r>
+            <a:endParaRPr lang="pt-PT" dirty="0"/>
           </a:p>
           <a:p>
             <a:pPr marL="0" indent="0">
@@ -14042,7 +17197,15 @@
             </a:r>
             <a:r>
               <a:rPr lang="pt-PT" dirty="0" err="1"/>
-              <a:t>how</a:t>
+              <a:t>that</a:t>
+            </a:r>
+            <a:r>
+              <a:rPr lang="pt-PT" dirty="0"/>
+              <a:t> some </a:t>
+            </a:r>
+            <a:r>
+              <a:rPr lang="pt-PT" dirty="0" err="1"/>
+              <a:t>things</a:t>
             </a:r>
             <a:r>
               <a:rPr lang="pt-PT" dirty="0"/>
@@ -14050,11 +17213,51 @@
             </a:r>
             <a:r>
               <a:rPr lang="pt-PT" dirty="0" err="1"/>
-              <a:t>should</a:t>
+              <a:t>would</a:t>
             </a:r>
             <a:r>
               <a:rPr lang="pt-PT" dirty="0"/>
-              <a:t> I </a:t>
+              <a:t> </a:t>
+            </a:r>
+            <a:r>
+              <a:rPr lang="pt-PT" dirty="0" err="1"/>
+              <a:t>be</a:t>
+            </a:r>
+            <a:r>
+              <a:rPr lang="pt-PT" dirty="0"/>
+              <a:t> </a:t>
+            </a:r>
+            <a:r>
+              <a:rPr lang="pt-PT" dirty="0" err="1"/>
+              <a:t>better</a:t>
+            </a:r>
+            <a:r>
+              <a:rPr lang="pt-PT" dirty="0"/>
+              <a:t> </a:t>
+            </a:r>
+            <a:r>
+              <a:rPr lang="pt-PT" dirty="0" err="1"/>
+              <a:t>made</a:t>
+            </a:r>
+            <a:r>
+              <a:rPr lang="pt-PT" dirty="0"/>
+              <a:t> </a:t>
+            </a:r>
+            <a:r>
+              <a:rPr lang="pt-PT" dirty="0" err="1"/>
+              <a:t>using</a:t>
+            </a:r>
+            <a:r>
+              <a:rPr lang="pt-PT" dirty="0"/>
+              <a:t> </a:t>
+            </a:r>
+            <a:r>
+              <a:rPr lang="pt-PT" dirty="0" err="1"/>
+              <a:t>other</a:t>
+            </a:r>
+            <a:r>
+              <a:rPr lang="pt-PT" dirty="0"/>
+              <a:t> </a:t>
             </a:r>
           </a:p>
         </p:txBody>
@@ -14321,9 +17524,21 @@
               </a:rPr>
               <a:t>https://www.youtube.com/watch?v=gPzMRoPDrFk&amp;ab_channel=SoftAuthor</a:t>
             </a:r>
+            <a:endParaRPr lang="pt-PT" sz="2000" dirty="0"/>
+          </a:p>
+          <a:p>
+            <a:pPr marL="0" indent="0">
+              <a:buNone/>
+            </a:pPr>
+            <a:endParaRPr lang="pt-PT" sz="2000" dirty="0"/>
+          </a:p>
+          <a:p>
+            <a:pPr>
+              <a:buSzPct val="140000"/>
+            </a:pPr>
             <a:r>
               <a:rPr lang="pt-PT" sz="2000" dirty="0"/>
-              <a:t> </a:t>
+              <a:t> threejs.org</a:t>
             </a:r>
             <a:endParaRPr lang="pt-PT" dirty="0"/>
           </a:p>
@@ -21288,6 +24503,14 @@
 <file path=ppt/slides/slide9.xml><?xml version="1.0" encoding="utf-8"?>
 <p:sld xmlns:a="http://schemas.openxmlformats.org/drawingml/2006/main" xmlns:r="http://schemas.openxmlformats.org/officeDocument/2006/relationships" xmlns:p="http://schemas.openxmlformats.org/presentationml/2006/main">
   <p:cSld>
+    <p:bg>
+      <p:bgPr>
+        <a:solidFill>
+          <a:schemeClr val="bg1"/>
+        </a:solidFill>
+        <a:effectLst/>
+      </p:bgPr>
+    </p:bg>
     <p:spTree>
       <p:nvGrpSpPr>
         <p:cNvPr id="1" name=""/>
@@ -21304,6 +24527,77 @@
       </p:grpSpPr>
       <p:sp>
         <p:nvSpPr>
+          <p:cNvPr id="19" name="Rectangle 10">
+            <a:extLst>
+              <a:ext uri="{FF2B5EF4-FFF2-40B4-BE49-F238E27FC236}">
+                <a16:creationId xmlns:a16="http://schemas.microsoft.com/office/drawing/2014/main" id="{3A5B4632-C963-4296-86F0-79AA9EA5AE98}"/>
+              </a:ext>
+              <a:ext uri="{C183D7F6-B498-43B3-948B-1728B52AA6E4}">
+                <adec:decorative xmlns:adec="http://schemas.microsoft.com/office/drawing/2017/decorative" val="1"/>
+              </a:ext>
+            </a:extLst>
+          </p:cNvPr>
+          <p:cNvSpPr>
+            <a:spLocks noGrp="1" noRot="1" noChangeAspect="1" noMove="1" noResize="1" noEditPoints="1" noAdjustHandles="1" noChangeArrowheads="1" noChangeShapeType="1" noTextEdit="1"/>
+          </p:cNvSpPr>
+          <p:nvPr>
+            <p:extLst>
+              <p:ext uri="{386F3935-93C4-4BCD-93E2-E3B085C9AB24}">
+                <p16:designElem xmlns:p16="http://schemas.microsoft.com/office/powerpoint/2015/main" val="1"/>
+              </p:ext>
+            </p:extLst>
+          </p:nvPr>
+        </p:nvSpPr>
+        <p:spPr bwMode="ltGray">
+          <a:xfrm>
+            <a:off x="338328" y="303591"/>
+            <a:ext cx="4335327" cy="5896743"/>
+          </a:xfrm>
+          <a:prstGeom prst="rect">
+            <a:avLst/>
+          </a:prstGeom>
+          <a:solidFill>
+            <a:schemeClr val="tx1">
+              <a:lumMod val="75000"/>
+              <a:lumOff val="25000"/>
+            </a:schemeClr>
+          </a:solidFill>
+          <a:ln w="127000" cap="sq" cmpd="thinThick">
+            <a:solidFill>
+              <a:schemeClr val="tx1">
+                <a:lumMod val="75000"/>
+                <a:lumOff val="25000"/>
+              </a:schemeClr>
+            </a:solidFill>
+          </a:ln>
+        </p:spPr>
+        <p:style>
+          <a:lnRef idx="2">
+            <a:schemeClr val="accent1">
+              <a:shade val="50000"/>
+            </a:schemeClr>
+          </a:lnRef>
+          <a:fillRef idx="1">
+            <a:schemeClr val="accent1"/>
+          </a:fillRef>
+          <a:effectRef idx="0">
+            <a:schemeClr val="accent1"/>
+          </a:effectRef>
+          <a:fontRef idx="minor">
+            <a:schemeClr val="lt1"/>
+          </a:fontRef>
+        </p:style>
+        <p:txBody>
+          <a:bodyPr rtlCol="0" anchor="ctr"/>
+          <a:lstStyle/>
+          <a:p>
+            <a:pPr algn="ctr"/>
+            <a:endParaRPr lang="en-US"/>
+          </a:p>
+        </p:txBody>
+      </p:sp>
+      <p:sp>
+        <p:nvSpPr>
           <p:cNvPr id="2" name="Título 1">
             <a:extLst>
               <a:ext uri="{FF2B5EF4-FFF2-40B4-BE49-F238E27FC236}">
@@ -21318,73 +24612,31 @@
             <p:ph type="title"/>
           </p:nvPr>
         </p:nvSpPr>
-        <p:spPr/>
+        <p:spPr>
+          <a:xfrm>
+            <a:off x="594360" y="637125"/>
+            <a:ext cx="3802276" cy="5256371"/>
+          </a:xfrm>
+        </p:spPr>
         <p:txBody>
-          <a:bodyPr/>
+          <a:bodyPr>
+            <a:normAutofit/>
+          </a:bodyPr>
           <a:lstStyle/>
           <a:p>
             <a:r>
-              <a:rPr lang="pt-PT" dirty="0" err="1"/>
+              <a:rPr lang="pt-PT" sz="4800" dirty="0" err="1">
+                <a:solidFill>
+                  <a:schemeClr val="bg1"/>
+                </a:solidFill>
+              </a:rPr>
               <a:t>Animation</a:t>
             </a:r>
-            <a:endParaRPr lang="pt-PT" dirty="0"/>
-          </a:p>
-        </p:txBody>
-      </p:sp>
-      <p:sp>
-        <p:nvSpPr>
-          <p:cNvPr id="3" name="Marcador de Posição de Conteúdo 2">
-            <a:extLst>
-              <a:ext uri="{FF2B5EF4-FFF2-40B4-BE49-F238E27FC236}">
-                <a16:creationId xmlns:a16="http://schemas.microsoft.com/office/drawing/2014/main" id="{101CFC4D-8A21-E6F7-817A-F16C73908F00}"/>
-              </a:ext>
-            </a:extLst>
-          </p:cNvPr>
-          <p:cNvSpPr>
-            <a:spLocks noGrp="1"/>
-          </p:cNvSpPr>
-          <p:nvPr>
-            <p:ph idx="1"/>
-          </p:nvPr>
-        </p:nvSpPr>
-        <p:spPr/>
-        <p:txBody>
-          <a:bodyPr/>
-          <a:lstStyle/>
-          <a:p>
-            <a:endParaRPr lang="pt-PT" dirty="0"/>
-          </a:p>
-          <a:p>
-            <a:endParaRPr lang="pt-PT" dirty="0"/>
-          </a:p>
-          <a:p>
-            <a:r>
-              <a:rPr lang="pt-PT" dirty="0"/>
-              <a:t>Car </a:t>
-            </a:r>
-            <a:r>
-              <a:rPr lang="pt-PT" dirty="0" err="1"/>
-              <a:t>Movement</a:t>
-            </a:r>
-            <a:endParaRPr lang="pt-PT" dirty="0"/>
-          </a:p>
-          <a:p>
-            <a:endParaRPr lang="pt-PT" dirty="0"/>
-          </a:p>
-          <a:p>
-            <a:r>
-              <a:rPr lang="pt-PT" dirty="0" err="1"/>
-              <a:t>Spotlight</a:t>
-            </a:r>
-            <a:r>
-              <a:rPr lang="pt-PT" dirty="0"/>
-              <a:t> </a:t>
-            </a:r>
-            <a:r>
-              <a:rPr lang="pt-PT" dirty="0" err="1"/>
-              <a:t>movement</a:t>
-            </a:r>
-            <a:endParaRPr lang="pt-PT" dirty="0"/>
+            <a:endParaRPr lang="pt-PT" sz="4800" dirty="0">
+              <a:solidFill>
+                <a:schemeClr val="bg1"/>
+              </a:solidFill>
+            </a:endParaRPr>
           </a:p>
         </p:txBody>
       </p:sp>
@@ -21404,13 +24656,29 @@
             <p:ph type="dt" sz="half" idx="10"/>
           </p:nvPr>
         </p:nvSpPr>
-        <p:spPr/>
+        <p:spPr>
+          <a:xfrm>
+            <a:off x="838200" y="6356350"/>
+            <a:ext cx="2743200" cy="365125"/>
+          </a:xfrm>
+        </p:spPr>
         <p:txBody>
-          <a:bodyPr/>
+          <a:bodyPr>
+            <a:normAutofit/>
+          </a:bodyPr>
           <a:lstStyle/>
           <a:p>
-            <a:r>
-              <a:rPr lang="pt-PT"/>
+            <a:pPr>
+              <a:spcAft>
+                <a:spcPts val="600"/>
+              </a:spcAft>
+            </a:pPr>
+            <a:r>
+              <a:rPr lang="pt-PT">
+                <a:solidFill>
+                  <a:srgbClr val="898989"/>
+                </a:solidFill>
+              </a:rPr>
               <a:t>ICG - 2021/2022 - Project 1</a:t>
             </a:r>
           </a:p>
@@ -21432,19 +24700,75 @@
             <p:ph type="sldNum" sz="quarter" idx="12"/>
           </p:nvPr>
         </p:nvSpPr>
-        <p:spPr/>
+        <p:spPr>
+          <a:xfrm>
+            <a:off x="8610600" y="6356350"/>
+            <a:ext cx="2743200" cy="365125"/>
+          </a:xfrm>
+        </p:spPr>
         <p:txBody>
-          <a:bodyPr/>
+          <a:bodyPr>
+            <a:normAutofit/>
+          </a:bodyPr>
           <a:lstStyle/>
           <a:p>
+            <a:pPr>
+              <a:spcAft>
+                <a:spcPts val="600"/>
+              </a:spcAft>
+            </a:pPr>
             <a:fld id="{A275E76C-0B34-4617-92BE-2419D92E4442}" type="slidenum">
-              <a:rPr lang="pt-PT" smtClean="0"/>
+              <a:rPr lang="pt-PT">
+                <a:solidFill>
+                  <a:srgbClr val="898989"/>
+                </a:solidFill>
+              </a:rPr>
+              <a:pPr>
+                <a:spcAft>
+                  <a:spcPts val="600"/>
+                </a:spcAft>
+              </a:pPr>
               <a:t>9</a:t>
             </a:fld>
-            <a:endParaRPr lang="pt-PT"/>
+            <a:endParaRPr lang="pt-PT">
+              <a:solidFill>
+                <a:srgbClr val="898989"/>
+              </a:solidFill>
+            </a:endParaRPr>
           </a:p>
         </p:txBody>
       </p:sp>
+      <p:graphicFrame>
+        <p:nvGraphicFramePr>
+          <p:cNvPr id="20" name="Marcador de Posição de Conteúdo 2">
+            <a:extLst>
+              <a:ext uri="{FF2B5EF4-FFF2-40B4-BE49-F238E27FC236}">
+                <a16:creationId xmlns:a16="http://schemas.microsoft.com/office/drawing/2014/main" id="{14B79FB4-8D1B-8A54-3FD6-5BF9AE8319A7}"/>
+              </a:ext>
+            </a:extLst>
+          </p:cNvPr>
+          <p:cNvGraphicFramePr>
+            <a:graphicFrameLocks noGrp="1"/>
+          </p:cNvGraphicFramePr>
+          <p:nvPr>
+            <p:ph idx="1"/>
+            <p:extLst>
+              <p:ext uri="{D42A27DB-BD31-4B8C-83A1-F6EECF244321}">
+                <p14:modId xmlns:p14="http://schemas.microsoft.com/office/powerpoint/2010/main" val="673056271"/>
+              </p:ext>
+            </p:extLst>
+          </p:nvPr>
+        </p:nvGraphicFramePr>
+        <p:xfrm>
+          <a:off x="5166985" y="303591"/>
+          <a:ext cx="6588691" cy="5896743"/>
+        </p:xfrm>
+        <a:graphic>
+          <a:graphicData uri="http://schemas.openxmlformats.org/drawingml/2006/diagram">
+            <dgm:relIds xmlns:dgm="http://schemas.openxmlformats.org/drawingml/2006/diagram" xmlns:r="http://schemas.openxmlformats.org/officeDocument/2006/relationships" r:dm="rId2" r:lo="rId3" r:qs="rId4" r:cs="rId5"/>
+          </a:graphicData>
+        </a:graphic>
+      </p:graphicFrame>
     </p:spTree>
     <p:extLst>
       <p:ext uri="{BB962C8B-B14F-4D97-AF65-F5344CB8AC3E}">
